--- a/lezioni/H.11.2 La formula del taglio.pptx
+++ b/lezioni/H.11.2 La formula del taglio.pptx
@@ -270,7 +270,7 @@
           <a:p>
             <a:fld id="{C116AED7-994C-AF42-89FF-64B09BCF8C2B}" type="datetimeFigureOut">
               <a:rPr lang="en-IT" smtClean="0"/>
-              <a:t>29/09/23</a:t>
+              <a:t>03/10/23</a:t>
             </a:fld>
             <a:endParaRPr lang="en-IT"/>
           </a:p>
@@ -470,7 +470,7 @@
           <a:p>
             <a:fld id="{C116AED7-994C-AF42-89FF-64B09BCF8C2B}" type="datetimeFigureOut">
               <a:rPr lang="en-IT" smtClean="0"/>
-              <a:t>29/09/23</a:t>
+              <a:t>03/10/23</a:t>
             </a:fld>
             <a:endParaRPr lang="en-IT"/>
           </a:p>
@@ -680,7 +680,7 @@
           <a:p>
             <a:fld id="{C116AED7-994C-AF42-89FF-64B09BCF8C2B}" type="datetimeFigureOut">
               <a:rPr lang="en-IT" smtClean="0"/>
-              <a:t>29/09/23</a:t>
+              <a:t>03/10/23</a:t>
             </a:fld>
             <a:endParaRPr lang="en-IT"/>
           </a:p>
@@ -880,7 +880,7 @@
           <a:p>
             <a:fld id="{C116AED7-994C-AF42-89FF-64B09BCF8C2B}" type="datetimeFigureOut">
               <a:rPr lang="en-IT" smtClean="0"/>
-              <a:t>29/09/23</a:t>
+              <a:t>03/10/23</a:t>
             </a:fld>
             <a:endParaRPr lang="en-IT"/>
           </a:p>
@@ -1156,7 +1156,7 @@
           <a:p>
             <a:fld id="{C116AED7-994C-AF42-89FF-64B09BCF8C2B}" type="datetimeFigureOut">
               <a:rPr lang="en-IT" smtClean="0"/>
-              <a:t>29/09/23</a:t>
+              <a:t>03/10/23</a:t>
             </a:fld>
             <a:endParaRPr lang="en-IT"/>
           </a:p>
@@ -1424,7 +1424,7 @@
           <a:p>
             <a:fld id="{C116AED7-994C-AF42-89FF-64B09BCF8C2B}" type="datetimeFigureOut">
               <a:rPr lang="en-IT" smtClean="0"/>
-              <a:t>29/09/23</a:t>
+              <a:t>03/10/23</a:t>
             </a:fld>
             <a:endParaRPr lang="en-IT"/>
           </a:p>
@@ -1839,7 +1839,7 @@
           <a:p>
             <a:fld id="{C116AED7-994C-AF42-89FF-64B09BCF8C2B}" type="datetimeFigureOut">
               <a:rPr lang="en-IT" smtClean="0"/>
-              <a:t>29/09/23</a:t>
+              <a:t>03/10/23</a:t>
             </a:fld>
             <a:endParaRPr lang="en-IT"/>
           </a:p>
@@ -1981,7 +1981,7 @@
           <a:p>
             <a:fld id="{C116AED7-994C-AF42-89FF-64B09BCF8C2B}" type="datetimeFigureOut">
               <a:rPr lang="en-IT" smtClean="0"/>
-              <a:t>29/09/23</a:t>
+              <a:t>03/10/23</a:t>
             </a:fld>
             <a:endParaRPr lang="en-IT"/>
           </a:p>
@@ -2094,7 +2094,7 @@
           <a:p>
             <a:fld id="{C116AED7-994C-AF42-89FF-64B09BCF8C2B}" type="datetimeFigureOut">
               <a:rPr lang="en-IT" smtClean="0"/>
-              <a:t>29/09/23</a:t>
+              <a:t>03/10/23</a:t>
             </a:fld>
             <a:endParaRPr lang="en-IT"/>
           </a:p>
@@ -2407,7 +2407,7 @@
           <a:p>
             <a:fld id="{C116AED7-994C-AF42-89FF-64B09BCF8C2B}" type="datetimeFigureOut">
               <a:rPr lang="en-IT" smtClean="0"/>
-              <a:t>29/09/23</a:t>
+              <a:t>03/10/23</a:t>
             </a:fld>
             <a:endParaRPr lang="en-IT"/>
           </a:p>
@@ -2696,7 +2696,7 @@
           <a:p>
             <a:fld id="{C116AED7-994C-AF42-89FF-64B09BCF8C2B}" type="datetimeFigureOut">
               <a:rPr lang="en-IT" smtClean="0"/>
-              <a:t>29/09/23</a:t>
+              <a:t>03/10/23</a:t>
             </a:fld>
             <a:endParaRPr lang="en-IT"/>
           </a:p>
@@ -2939,7 +2939,7 @@
           <a:p>
             <a:fld id="{C116AED7-994C-AF42-89FF-64B09BCF8C2B}" type="datetimeFigureOut">
               <a:rPr lang="en-IT" smtClean="0"/>
-              <a:t>29/09/23</a:t>
+              <a:t>03/10/23</a:t>
             </a:fld>
             <a:endParaRPr lang="en-IT"/>
           </a:p>
@@ -3624,7 +3624,7 @@
           <a:p>
             <a:r>
               <a:rPr lang="en-IT" dirty="0"/>
-              <a:t>Dall’equazione di equilibrio M’+V=0 segue che ogni qualvolta il momento flettente sia non uniforme, ad esso e’ associata necessariamente una forza di taglio.</a:t>
+              <a:t>Dall’equazione di equilibrio dM/dx+V=0 segue che ogni qualvolta il momento flettente sia non uniforme, ad esso e’ associata necessariamente una forza di taglio.</a:t>
             </a:r>
           </a:p>
           <a:p>
@@ -3707,31 +3707,6 @@
           <a:chExt cx="0" cy="0"/>
         </a:xfrm>
       </p:grpSpPr>
-      <p:sp>
-        <p:nvSpPr>
-          <p:cNvPr id="2" name="Title 1">
-            <a:extLst>
-              <a:ext uri="{FF2B5EF4-FFF2-40B4-BE49-F238E27FC236}">
-                <a16:creationId xmlns:a16="http://schemas.microsoft.com/office/drawing/2014/main" id="{C95CFF79-6A05-9038-E284-DC9F3BA98AFC}"/>
-              </a:ext>
-            </a:extLst>
-          </p:cNvPr>
-          <p:cNvSpPr>
-            <a:spLocks noGrp="1"/>
-          </p:cNvSpPr>
-          <p:nvPr>
-            <p:ph type="title"/>
-          </p:nvPr>
-        </p:nvSpPr>
-        <p:spPr/>
-        <p:txBody>
-          <a:bodyPr/>
-          <a:lstStyle/>
-          <a:p>
-            <a:endParaRPr lang="en-IT" dirty="0"/>
-          </a:p>
-        </p:txBody>
-      </p:sp>
       <p:pic>
         <p:nvPicPr>
           <p:cNvPr id="4" name="Content Placeholder 3">
@@ -3766,10 +3741,10 @@
       </p:pic>
       <p:pic>
         <p:nvPicPr>
-          <p:cNvPr id="18" name="Picture 17" descr="\documentclass{article}&#10;\usepackage{amsmath,bbm,mathrsfs}&#10;\setlength\parindent{0em}&#10;\usepackage{geometry}&#10;\geometry{textwidth=10cm}&#10;\setlength\parskip{1em}&#10;\pagestyle{empty}&#10;\begin{document}&#10;&#10;Ricordiamo l'equazione di equilibrio $V=d M / d x$. &#10;&#10;Consideriamo l'equilibrio alla traslazione in direzione longitudinale di un concio di trave. &#10;&#10;Nella Figura (b) è mostrato lo schema di corpo libero del concio, sul quale sono riportate esclusivamente le distribuzioni delle tensioni normali agenti. Tali distribuzioni sono indotte dai momenti flettenti $M$ ed $M+d M$. &#10;&#10;Gli effetti di $V, V+d V$, e di $p(x)$ sono stati esclusi dallo schema di corpo libero, poiché si tratta di forze verticali che non intervengono nelle sommatorie di forze orizzontali. &#10;&#10;Il concio nella Figura $(\mathrm{c})$ soddisfa l'equilibrio $\Sigma F_x=0$ poiché la distribuzione di tensioni su ciascuna sezione è equivalente a una coppia con associata forza risultante nulla.&#10;&#10;Si consideri, adesso, la porzione superiore del concio, evidenziata nella Figura (d), la cui faccia inferiore si trova a distanza $y^{\prime}$ dall'asse neutro. &#10;&#10;La larghezza di base di questa porzione è pari a $t$ ed è chiamata corda; l'area di ciascuna faccia laterale è pari ad $A^{\prime}$. &#10;&#10;Poiché l'incremento del momento flettente è pari a $d M$, si nota nella Figura (d) che $\Sigma F_x=0$ non risulta soddisfatta per la porzione di concio considerata, a meno che non si consideri l'azione di una tensione tangenziale $\tau$ in direzione longitudinale sulla faccia inferiore.&#10;&#10;Nell'analisi seguente si ipotizza che tale tensione tangenziale sia costante lungo la corda $t$. Essa agisce sull'area $t d x$. &#10;&#10;&#10;\end{document}" title="IguanaTex Bitmap Display">
-            <a:extLst>
-              <a:ext uri="{FF2B5EF4-FFF2-40B4-BE49-F238E27FC236}">
-                <a16:creationId xmlns:a16="http://schemas.microsoft.com/office/drawing/2014/main" id="{BFCAF069-0F84-A083-4A22-09B03AE3E7B9}"/>
+          <p:cNvPr id="5" name="Picture 4" descr="\documentclass{article}&#10;\usepackage{amsmath,bbm,mathrsfs}&#10;\setlength\parindent{0em}&#10;\usepackage{geometry}&#10;\geometry{textwidth=10cm}&#10;\setlength\parskip{1em}&#10;\pagestyle{empty}&#10;\begin{document}&#10;&#10;Consideriamo l'equilibrio alla traslazione in direzione longitudinale di un concio di trave. &#10;&#10;Nella Figura (b) è mostrato lo schema di corpo libero del concio, sul quale sono riportate esclusivamente le distribuzioni delle tensioni normali agenti. Tali distribuzioni sono indotte dai momenti flettenti $M$ ed $M+d M$. &#10;&#10;Gli effetti di $V, V+d V$, e di $p(x)$ sono stati esclusi dallo schema di corpo libero, poiché si tratta di forze verticali che non intervengono nelle sommatorie di forze orizzontali. &#10;&#10;Il concio nella Figura $(\mathrm{c})$ soddisfa l'equilibrio $\Sigma F_x=0$ poiché la distribuzione di tensioni su ciascuna sezione è equivalente a una coppia con associata forza risultante nulla.&#10;&#10;Si consideri, adesso, la porzione superiore del concio, evidenziata nella Figura (d), la cui faccia inferiore si trova a distanza $y^{\prime}$ dall'asse neutro. &#10;&#10;La larghezza di base di questa porzione è pari a $t$ ed è chiamata corda; l'area di ciascuna faccia laterale è pari ad $A^{\prime}$. &#10;&#10;Poiché l'incremento del momento flettente è pari a $d M$, si nota nella Figura (d) che $\Sigma F_x=0$ non risulta soddisfatta per la porzione di concio considerata, a meno che non si consideri l'azione di una tensione tangenziale $\tau$ in direzione longitudinale sulla faccia inferiore.&#10;&#10;Nell'analisi seguente si ipotizza che tale tensione tangenziale sia costante lungo la corda $t$. Essa agisce sull'area $t d x$. &#10;&#10;&#10;\end{document}" title="IguanaTex Bitmap Display">
+            <a:extLst>
+              <a:ext uri="{FF2B5EF4-FFF2-40B4-BE49-F238E27FC236}">
+                <a16:creationId xmlns:a16="http://schemas.microsoft.com/office/drawing/2014/main" id="{9C5F13FC-6B18-244D-99E5-A81191E9F932}"/>
               </a:ext>
             </a:extLst>
           </p:cNvPr>
@@ -3791,7 +3766,7 @@
         <p:spPr>
           <a:xfrm>
             <a:off x="7101490" y="655069"/>
-            <a:ext cx="4205161" cy="5547862"/>
+            <a:ext cx="4205161" cy="5223253"/>
           </a:xfrm>
           <a:prstGeom prst="rect">
             <a:avLst/>
@@ -3976,7 +3951,7 @@
         </p:blipFill>
         <p:spPr>
           <a:xfrm>
-            <a:off x="369753" y="-245355"/>
+            <a:off x="0" y="-224334"/>
             <a:ext cx="3859162" cy="2546522"/>
           </a:xfrm>
           <a:prstGeom prst="rect">
@@ -4006,7 +3981,7 @@
         </p:blipFill>
         <p:spPr>
           <a:xfrm>
-            <a:off x="250626" y="1768866"/>
+            <a:off x="-119127" y="1789887"/>
             <a:ext cx="2816599" cy="2339715"/>
           </a:xfrm>
           <a:prstGeom prst="rect">
@@ -4036,7 +4011,7 @@
         </p:blipFill>
         <p:spPr>
           <a:xfrm>
-            <a:off x="435056" y="4315388"/>
+            <a:off x="65303" y="4336409"/>
             <a:ext cx="5264337" cy="2332052"/>
           </a:xfrm>
           <a:prstGeom prst="rect">
@@ -4066,7 +4041,7 @@
         </p:blipFill>
         <p:spPr>
           <a:xfrm>
-            <a:off x="3782357" y="1931613"/>
+            <a:off x="3412604" y="1952634"/>
             <a:ext cx="1955365" cy="2546522"/>
           </a:xfrm>
           <a:prstGeom prst="rect">
@@ -4076,10 +4051,10 @@
       </p:pic>
       <p:pic>
         <p:nvPicPr>
-          <p:cNvPr id="3" name="Picture 2" descr="\documentclass{article}&#10;\usepackage{amsmath,bbm,mathrsfs}&#10;\setlength\parindent{0em}&#10;\usepackage{geometry}&#10;\geometry{textwidth=15cm}&#10;\setlength\parskip{1em}&#10;\pagestyle{empty}&#10;\begin{document}&#10;Imponendo l'equilibrio alla traslazione in direzione longitudinale e utilizzando la formula della flessione si ottiene&#10;$$&#10;\begin{aligned}&#10;&amp; \pm \Sigma F_x=0 ; \quad \int_{A^{\prime}} \sigma^{\prime} d A^{\prime}-\int_{A^{\prime}} \sigma d A^{\prime}-\tau(t d x)=0 \\&#10;&amp; \int_{A^{\prime}}\left(\frac{M+d M}{I}\right) y d A^{\prime}-\int_{A^{\prime}}\left(\frac{M}{I}\right) y d A^{\prime}-\tau(t d x)=0 \\&#10;&amp; \left(\frac{d M}{I}\right) \int_{A^{\prime}} y d A^{\prime}=\tau(t d x) \\&#10;&amp;&#10;\end{aligned}&#10;$$&#10;Risolvendo in funzione di $\tau$ si ottiene&#10;$$&#10;\tau=\frac{1}{I t}\left(\frac{d M}{d x}\right) \int_{A'} y d A^{\prime}&#10;$$&#10;Questa equazione può essere semplificata considerando che $$V=d M / d x$$ &#10;&#10;Inoltre, l'integrale rappresenta il momento statico dell'area $A^{\prime}$ rispetto all'asse neutro ed è indicato con $Q$. &#10;&#10;Poiché la posizione del baricentro dell'area $A^{\prime}$ viene ottenuta da $\bar{y}^{\prime}=\int_{A^{\prime}} y d A^{\prime} / A^{\prime}$, si giunge a&#10;$$&#10;\begin{gathered}&#10;Q=\int_{A^{\prime}} y d A^{\prime}=\bar{y}^{\prime} A^{\prime} \\&#10;\tau=\frac{V Q}{I t}&#10;\end{gathered}&#10;$$&#10;dove&#10;$\tau=$ la tensione tangenziale nei punti a distanza $y^{\prime}$ dall'asse neutro. &#10;&#10;Si ipotizza che tale tensione sia costante e pertanto mediata sulla corda $t$, Figura $11.4 d$.&#10;&#10;$V=$ forza interna di taglio.&#10;&#10;$I=$ momento d'inerzia della sezione rispetto all'asse neutro.&#10;&#10;&#10;$t=$ larghezza della corda considerata sulla sezione trasversale, passante per il punto in cui si vuole determinare la $\tau$.&#10;&#10;$Q=\int_{A^{\prime}} y d A^{\prime}=\bar{y}^{\prime} A^{\prime}$, dove &#10;&#10;$A^{\prime}$ è l'area della porzione superiore (o inferiore $)^2$ della sezione trasversale, staccata dalla corda $t$&#10;&#10;$\bar{y}^{\prime}$ è la distanza del baricentro di $A^{\prime}$ dall'asse neutro.&#10;&#10;&#10;&#10;\end{document}" title="IguanaTex Bitmap Display">
-            <a:extLst>
-              <a:ext uri="{FF2B5EF4-FFF2-40B4-BE49-F238E27FC236}">
-                <a16:creationId xmlns:a16="http://schemas.microsoft.com/office/drawing/2014/main" id="{5ED9B9AF-1621-5D55-8F2A-CF10A24E63BE}"/>
+          <p:cNvPr id="26" name="Picture 25" descr="\documentclass{article}&#10;\usepackage{amsmath,bbm,mathrsfs}&#10;\setlength\parindent{0em}&#10;\usepackage{geometry}&#10;\geometry{textwidth=12cm}&#10;\setlength\parskip{1em}&#10;\pagestyle{empty}&#10;\begin{document}&#10;Imponendo l'equilibrio alla traslazione in direzione longitudinale (in direzione opposta all'asse x) e utilizzando la formula della flessione si ottiene&#10;$$&#10;\begin{aligned}&#10;&amp; \leftarrow \Sigma F_x=0 ; \quad \int_{A^{\prime}} \sigma^{\prime} d A^{\prime}-\int_{A^{\prime}} \sigma d A^{\prime}-\tau(t d x)=0 \\&#10;&amp; \int_{A^{\prime}}\left(\frac{M+d M}{I}\right) y d A^{\prime}-\int_{A^{\prime}}\left(\frac{M}{I}\right) y d A^{\prime}-\tau(t d x)=0 \\&#10;&amp; \left(\frac{d M}{I}\right) \int_{A^{\prime}} y d A^{\prime}=\tau(t d x) \\&#10;&amp;&#10;\end{aligned}&#10;$$&#10;Risolvendo in funzione di $\tau$ si ottiene&#10;$$&#10;\tau=\frac{1}{I t}\left(\frac{d M}{d x}\right) \int_{A'} y d A^{\prime}&#10;$$&#10;Questa equazione può essere semplificata considerando che $$V=d M / d x$$ &#10;&#10;Posto&#10;$$&#10;Q=\int_{A^{\prime}} y d A^{\prime}=\bar{y}^{\prime} A^{\prime}&#10;$$&#10;possiamo scrivere&#10;$$&#10;\begin{gathered}&#10;\tau=\frac{V Q}{I t}&#10;\end{gathered}&#10;$$&#10;In alternativa, introducendo il baricentro di $A'$&#10;$$&#10;\bar{y}^{\prime}=\frac 1  {A^{\prime}}\int_{A^{\prime}} y d A^{\prime}&#10;$$&#10;abbiamo $Q=A'\overline y'$, e dunque possiamo scrivere&#10;$$&#10;\begin{gathered}&#10;\tau=\frac{V A'\overline y'}{I t}&#10;\end{gathered}&#10;$$&#10;\end{document}" title="IguanaTex Bitmap Display">
+            <a:extLst>
+              <a:ext uri="{FF2B5EF4-FFF2-40B4-BE49-F238E27FC236}">
+                <a16:creationId xmlns:a16="http://schemas.microsoft.com/office/drawing/2014/main" id="{38CEED6F-B29A-91B6-14A4-612B1A0D046F}"/>
               </a:ext>
             </a:extLst>
           </p:cNvPr>
@@ -4100,8 +4075,8 @@
         </p:blipFill>
         <p:spPr>
           <a:xfrm>
-            <a:off x="6492610" y="192993"/>
-            <a:ext cx="5139643" cy="6409437"/>
+            <a:off x="6116657" y="48508"/>
+            <a:ext cx="5539120" cy="6760983"/>
           </a:xfrm>
           <a:prstGeom prst="rect">
             <a:avLst/>
@@ -4134,7 +4109,7 @@
         </p:blipFill>
         <p:spPr>
           <a:xfrm>
-            <a:off x="4745505" y="473026"/>
+            <a:off x="4212040" y="227347"/>
             <a:ext cx="1117600" cy="533400"/>
           </a:xfrm>
           <a:prstGeom prst="rect">
@@ -4552,10 +4527,10 @@
       </p:pic>
       <p:pic>
         <p:nvPicPr>
-          <p:cNvPr id="9" name="Picture 8" descr="\documentclass{article}&#10;\usepackage{amsmath,bbm,mathrsfs}&#10;\setlength\parindent{0em}&#10;\usepackage{geometry}&#10;\geometry{textwidth=10cm}&#10;\setlength\parskip{1em}&#10;\pagestyle{empty}&#10;\begin{document}&#10;&#10;Si traccia una corda orizzontale in corrispondenza del punto $P$ e nella Figura (b) viene evidenziata l'area $A^{\prime}$. &#10;&#10;Pertanto:&#10;$$&#10;\begin{aligned}&#10;Q &amp; =\bar{y}^{\prime} A^{\prime}=\left[12.5 \mathrm{~mm}+\frac{1}{2}(50 \mathrm{~mm})\right](50 \mathrm{~mm})(100 \mathrm{~mm}) \\&#10;&amp; =18.75 \mathrm{~mm} \times 10^4 \mathrm{~mm}^3&#10;\end{aligned}&#10;$$&#10;&#10;&#10;\end{document}" title="IguanaTex Bitmap Display">
-            <a:extLst>
-              <a:ext uri="{FF2B5EF4-FFF2-40B4-BE49-F238E27FC236}">
-                <a16:creationId xmlns:a16="http://schemas.microsoft.com/office/drawing/2014/main" id="{27FC204C-CA47-50CF-1E52-14C9DD71260A}"/>
+          <p:cNvPr id="4" name="Picture 3" descr="\documentclass{article}&#10;\usepackage{amsmath,bbm,mathrsfs}&#10;\setlength\parindent{0em}&#10;\usepackage{geometry}&#10;\geometry{textwidth=10cm}&#10;\setlength\parskip{1em}&#10;\pagestyle{empty}&#10;\begin{document}&#10;&#10;Si traccia una corda orizzontale in corrispondenza del punto $P$ e nella Figura (b) viene evidenziata l'area $A^{\prime}$. &#10;&#10;Pertanto:&#10;$$&#10;\begin{aligned}&#10;Q &amp; =\bar{y}^{\prime} A^{\prime}=\left[12.5/2 \mathrm{~mm}-\frac{1}{2}(50 \mathrm{~mm})\right](50 \mathrm{~mm})(100 \mathrm{~mm}) \\&#10;&amp; =18.75 \mathrm{~mm} \times 10^4 \mathrm{~mm}^3&#10;\end{aligned}&#10;$$&#10;&#10;&#10;\end{document}" title="IguanaTex Bitmap Display">
+            <a:extLst>
+              <a:ext uri="{FF2B5EF4-FFF2-40B4-BE49-F238E27FC236}">
+                <a16:creationId xmlns:a16="http://schemas.microsoft.com/office/drawing/2014/main" id="{D253D704-6FF6-AC0C-B56D-24DE893FF430}"/>
               </a:ext>
             </a:extLst>
           </p:cNvPr>
@@ -4694,13 +4669,13 @@
 <file path=ppt/tags/tag1.xml><?xml version="1.0" encoding="utf-8"?>
 <p:tagLst xmlns:a="http://schemas.openxmlformats.org/drawingml/2006/main" xmlns:r="http://schemas.openxmlformats.org/officeDocument/2006/relationships" xmlns:p="http://schemas.openxmlformats.org/presentationml/2006/main">
   <p:tag name="OUTPUTDPI" val="1200"/>
-  <p:tag name="ORIGINALHEIGHT" val="376"/>
+  <p:tag name="ORIGINALHEIGHT" val="354"/>
   <p:tag name="ORIGINALWIDTH" val="285"/>
   <p:tag name="OUTPUTTYPE" val="PDF"/>
   <p:tag name="IGUANATEXVERSION" val="160"/>
-  <p:tag name="LATEXADDIN" val="\documentclass{article}&#10;\usepackage{amsmath,bbm,mathrsfs}&#10;\setlength\parindent{0em}&#10;\usepackage{geometry}&#10;\geometry{textwidth=10cm}&#10;\setlength\parskip{1em}&#10;\pagestyle{empty}&#10;\begin{document}&#10;&#10;Ricordiamo l'equazione di equilibrio $V=d M / d x$. &#10;&#10;Consideriamo l'equilibrio alla traslazione in direzione longitudinale di un concio di trave. &#10;&#10;Nella Figura (b) è mostrato lo schema di corpo libero del concio, sul quale sono riportate esclusivamente le distribuzioni delle tensioni normali agenti. Tali distribuzioni sono indotte dai momenti flettenti $M$ ed $M+d M$. &#10;&#10;Gli effetti di $V, V+d V$, e di $p(x)$ sono stati esclusi dallo schema di corpo libero, poiché si tratta di forze verticali che non intervengono nelle sommatorie di forze orizzontali. &#10;&#10;Il concio nella Figura $(\mathrm{c})$ soddisfa l'equilibrio $\Sigma F_x=0$ poiché la distribuzione di tensioni su ciascuna sezione è equivalente a una coppia con associata forza risultante nulla.&#10;&#10;Si consideri, adesso, la porzione superiore del concio, evidenziata nella Figura (d), la cui faccia inferiore si trova a distanza $y^{\prime}$ dall'asse neutro. &#10;&#10;La larghezza di base di questa porzione è pari a $t$ ed è chiamata corda; l'area di ciascuna faccia laterale è pari ad $A^{\prime}$. &#10;&#10;Poiché l'incremento del momento flettente è pari a $d M$, si nota nella Figura (d) che $\Sigma F_x=0$ non risulta soddisfatta per la porzione di concio considerata, a meno che non si consideri l'azione di una tensione tangenziale $\tau$ in direzione longitudinale sulla faccia inferiore.&#10;&#10;Nell'analisi seguente si ipotizza che tale tensione tangenziale sia costante lungo la corda $t$. Essa agisce sull'area $t d x$. &#10;&#10;&#10;\end{document}"/>
+  <p:tag name="LATEXADDIN" val="\documentclass{article}&#10;\usepackage{amsmath,bbm,mathrsfs}&#10;\setlength\parindent{0em}&#10;\usepackage{geometry}&#10;\geometry{textwidth=10cm}&#10;\setlength\parskip{1em}&#10;\pagestyle{empty}&#10;\begin{document}&#10;&#10;Consideriamo l'equilibrio alla traslazione in direzione longitudinale di un concio di trave. &#10;&#10;Nella Figura (b) è mostrato lo schema di corpo libero del concio, sul quale sono riportate esclusivamente le distribuzioni delle tensioni normali agenti. Tali distribuzioni sono indotte dai momenti flettenti $M$ ed $M+d M$. &#10;&#10;Gli effetti di $V, V+d V$, e di $p(x)$ sono stati esclusi dallo schema di corpo libero, poiché si tratta di forze verticali che non intervengono nelle sommatorie di forze orizzontali. &#10;&#10;Il concio nella Figura $(\mathrm{c})$ soddisfa l'equilibrio $\Sigma F_x=0$ poiché la distribuzione di tensioni su ciascuna sezione è equivalente a una coppia con associata forza risultante nulla.&#10;&#10;Si consideri, adesso, la porzione superiore del concio, evidenziata nella Figura (d), la cui faccia inferiore si trova a distanza $y^{\prime}$ dall'asse neutro. &#10;&#10;La larghezza di base di questa porzione è pari a $t$ ed è chiamata corda; l'area di ciascuna faccia laterale è pari ad $A^{\prime}$. &#10;&#10;Poiché l'incremento del momento flettente è pari a $d M$, si nota nella Figura (d) che $\Sigma F_x=0$ non risulta soddisfatta per la porzione di concio considerata, a meno che non si consideri l'azione di una tensione tangenziale $\tau$ in direzione longitudinale sulla faccia inferiore.&#10;&#10;Nell'analisi seguente si ipotizza che tale tensione tangenziale sia costante lungo la corda $t$. Essa agisce sull'area $t d x$. &#10;&#10;&#10;\end{document}"/>
   <p:tag name="IGUANATEXSIZE" val="20"/>
-  <p:tag name="IGUANATEXCURSOR" val="1330"/>
+  <p:tag name="IGUANATEXCURSOR" val="192"/>
   <p:tag name="TRANSPARENCY" val="True"/>
   <p:tag name="LATEXENGINEID" val="0"/>
   <p:tag name="TEMPFOLDER" val="/private/var/folders/bl/qr6kzqqj6dq26b3546l3vykm0000gn/T/com.microsoft.Powerpoint/TemporaryItems/"/>
@@ -4754,13 +4729,13 @@
 <file path=ppt/tags/tag3.xml><?xml version="1.0" encoding="utf-8"?>
 <p:tagLst xmlns:a="http://schemas.openxmlformats.org/drawingml/2006/main" xmlns:r="http://schemas.openxmlformats.org/officeDocument/2006/relationships" xmlns:p="http://schemas.openxmlformats.org/presentationml/2006/main">
   <p:tag name="OUTPUTDPI" val="1200"/>
-  <p:tag name="ORIGINALHEIGHT" val="530"/>
-  <p:tag name="ORIGINALWIDTH" val="425"/>
+  <p:tag name="ORIGINALHEIGHT" val="415"/>
+  <p:tag name="ORIGINALWIDTH" val="340"/>
   <p:tag name="OUTPUTTYPE" val="PDF"/>
   <p:tag name="IGUANATEXVERSION" val="160"/>
-  <p:tag name="LATEXADDIN" val="\documentclass{article}&#10;\usepackage{amsmath,bbm,mathrsfs}&#10;\setlength\parindent{0em}&#10;\usepackage{geometry}&#10;\geometry{textwidth=15cm}&#10;\setlength\parskip{1em}&#10;\pagestyle{empty}&#10;\begin{document}&#10;Imponendo l'equilibrio alla traslazione in direzione longitudinale e utilizzando la formula della flessione si ottiene&#10;$$&#10;\begin{aligned}&#10;&amp; \pm \Sigma F_x=0 ; \quad \int_{A^{\prime}} \sigma^{\prime} d A^{\prime}-\int_{A^{\prime}} \sigma d A^{\prime}-\tau(t d x)=0 \\&#10;&amp; \int_{A^{\prime}}\left(\frac{M+d M}{I}\right) y d A^{\prime}-\int_{A^{\prime}}\left(\frac{M}{I}\right) y d A^{\prime}-\tau(t d x)=0 \\&#10;&amp; \left(\frac{d M}{I}\right) \int_{A^{\prime}} y d A^{\prime}=\tau(t d x) \\&#10;&amp;&#10;\end{aligned}&#10;$$&#10;Risolvendo in funzione di $\tau$ si ottiene&#10;$$&#10;\tau=\frac{1}{I t}\left(\frac{d M}{d x}\right) \int_{A'} y d A^{\prime}&#10;$$&#10;Questa equazione può essere semplificata considerando che $$V=d M / d x$$ &#10;&#10;Inoltre, l'integrale rappresenta il momento statico dell'area $A^{\prime}$ rispetto all'asse neutro ed è indicato con $Q$. &#10;&#10;Poiché la posizione del baricentro dell'area $A^{\prime}$ viene ottenuta da $\bar{y}^{\prime}=\int_{A^{\prime}} y d A^{\prime} / A^{\prime}$, si giunge a&#10;$$&#10;\begin{gathered}&#10;Q=\int_{A^{\prime}} y d A^{\prime}=\bar{y}^{\prime} A^{\prime} \\&#10;\tau=\frac{V Q}{I t}&#10;\end{gathered}&#10;$$&#10;dove&#10;$\tau=$ la tensione tangenziale nei punti a distanza $y^{\prime}$ dall'asse neutro. &#10;&#10;Si ipotizza che tale tensione sia costante e pertanto mediata sulla corda $t$, Figura $11.4 d$.&#10;&#10;$V=$ forza interna di taglio.&#10;&#10;$I=$ momento d'inerzia della sezione rispetto all'asse neutro.&#10;&#10;&#10;$t=$ larghezza della corda considerata sulla sezione trasversale, passante per il punto in cui si vuole determinare la $\tau$.&#10;&#10;$Q=\int_{A^{\prime}} y d A^{\prime}=\bar{y}^{\prime} A^{\prime}$, dove &#10;&#10;$A^{\prime}$ è l'area della porzione superiore (o inferiore $)^2$ della sezione trasversale, staccata dalla corda $t$&#10;&#10;$\bar{y}^{\prime}$ è la distanza del baricentro di $A^{\prime}$ dall'asse neutro.&#10;&#10;&#10;&#10;\end{document}"/>
+  <p:tag name="LATEXADDIN" val="\documentclass{article}&#10;\usepackage{amsmath,bbm,mathrsfs}&#10;\setlength\parindent{0em}&#10;\usepackage{geometry}&#10;\geometry{textwidth=12cm}&#10;\setlength\parskip{1em}&#10;\pagestyle{empty}&#10;\begin{document}&#10;Imponendo l'equilibrio alla traslazione in direzione longitudinale (in direzione opposta all'asse x) e utilizzando la formula della flessione si ottiene&#10;$$&#10;\begin{aligned}&#10;&amp; \leftarrow \Sigma F_x=0 ; \quad \int_{A^{\prime}} \sigma^{\prime} d A^{\prime}-\int_{A^{\prime}} \sigma d A^{\prime}-\tau(t d x)=0 \\&#10;&amp; \int_{A^{\prime}}\left(\frac{M+d M}{I}\right) y d A^{\prime}-\int_{A^{\prime}}\left(\frac{M}{I}\right) y d A^{\prime}-\tau(t d x)=0 \\&#10;&amp; \left(\frac{d M}{I}\right) \int_{A^{\prime}} y d A^{\prime}=\tau(t d x) \\&#10;&amp;&#10;\end{aligned}&#10;$$&#10;Risolvendo in funzione di $\tau$ si ottiene&#10;$$&#10;\tau=\frac{1}{I t}\left(\frac{d M}{d x}\right) \int_{A'} y d A^{\prime}&#10;$$&#10;Questa equazione può essere semplificata considerando che $$V=d M / d x$$ &#10;&#10;Posto&#10;$$&#10;Q=\int_{A^{\prime}} y d A^{\prime}=\bar{y}^{\prime} A^{\prime}&#10;$$&#10;possiamo scrivere&#10;$$&#10;\begin{gathered}&#10;\tau=\frac{V Q}{I t}&#10;\end{gathered}&#10;$$&#10;In alternativa, introducendo il baricentro di $A'$&#10;$$&#10;\bar{y}^{\prime}=\frac 1  {A^{\prime}}\int_{A^{\prime}} y d A^{\prime}&#10;$$&#10;abbiamo $Q=A'\overline y'$, e dunque possiamo scrivere&#10;$$&#10;\begin{gathered}&#10;\tau=\frac{V A'\overline y'}{I t}&#10;\end{gathered}&#10;$$&#10;\end{document}"/>
   <p:tag name="IGUANATEXSIZE" val="20"/>
-  <p:tag name="IGUANATEXCURSOR" val="793"/>
+  <p:tag name="IGUANATEXCURSOR" val="1163"/>
   <p:tag name="TRANSPARENCY" val="True"/>
   <p:tag name="LATEXENGINEID" val="0"/>
   <p:tag name="TEMPFOLDER" val="/private/var/folders/bl/qr6kzqqj6dq26b3546l3vykm0000gn/T/com.microsoft.Powerpoint/TemporaryItems/"/>
@@ -4858,9 +4833,9 @@
   <p:tag name="ORIGINALWIDTH" val="283"/>
   <p:tag name="OUTPUTTYPE" val="PDF"/>
   <p:tag name="IGUANATEXVERSION" val="160"/>
-  <p:tag name="LATEXADDIN" val="\documentclass{article}&#10;\usepackage{amsmath,bbm,mathrsfs}&#10;\setlength\parindent{0em}&#10;\usepackage{geometry}&#10;\geometry{textwidth=10cm}&#10;\setlength\parskip{1em}&#10;\pagestyle{empty}&#10;\begin{document}&#10;&#10;Si traccia una corda orizzontale in corrispondenza del punto $P$ e nella Figura (b) viene evidenziata l'area $A^{\prime}$. &#10;&#10;Pertanto:&#10;$$&#10;\begin{aligned}&#10;Q &amp; =\bar{y}^{\prime} A^{\prime}=\left[12.5 \mathrm{~mm}+\frac{1}{2}(50 \mathrm{~mm})\right](50 \mathrm{~mm})(100 \mathrm{~mm}) \\&#10;&amp; =18.75 \mathrm{~mm} \times 10^4 \mathrm{~mm}^3&#10;\end{aligned}&#10;$$&#10;&#10;&#10;\end{document}"/>
+  <p:tag name="LATEXADDIN" val="\documentclass{article}&#10;\usepackage{amsmath,bbm,mathrsfs}&#10;\setlength\parindent{0em}&#10;\usepackage{geometry}&#10;\geometry{textwidth=10cm}&#10;\setlength\parskip{1em}&#10;\pagestyle{empty}&#10;\begin{document}&#10;&#10;Si traccia una corda orizzontale in corrispondenza del punto $P$ e nella Figura (b) viene evidenziata l'area $A^{\prime}$. &#10;&#10;Pertanto:&#10;$$&#10;\begin{aligned}&#10;Q &amp; =\bar{y}^{\prime} A^{\prime}=\left[12.5/2 \mathrm{~mm}-\frac{1}{2}(50 \mathrm{~mm})\right](50 \mathrm{~mm})(100 \mathrm{~mm}) \\&#10;&amp; =18.75 \mathrm{~mm} \times 10^4 \mathrm{~mm}^3&#10;\end{aligned}&#10;$$&#10;&#10;&#10;\end{document}"/>
   <p:tag name="IGUANATEXSIZE" val="20"/>
-  <p:tag name="IGUANATEXCURSOR" val="317"/>
+  <p:tag name="IGUANATEXCURSOR" val="405"/>
   <p:tag name="TRANSPARENCY" val="True"/>
   <p:tag name="LATEXENGINEID" val="0"/>
   <p:tag name="TEMPFOLDER" val="/private/var/folders/bl/qr6kzqqj6dq26b3546l3vykm0000gn/T/com.microsoft.Powerpoint/TemporaryItems/"/>

--- a/lezioni/H.11.2 La formula del taglio.pptx
+++ b/lezioni/H.11.2 La formula del taglio.pptx
@@ -9,12 +9,13 @@
     <p:sldId id="262" r:id="rId3"/>
     <p:sldId id="257" r:id="rId4"/>
     <p:sldId id="259" r:id="rId5"/>
-    <p:sldId id="261" r:id="rId6"/>
-    <p:sldId id="260" r:id="rId7"/>
-    <p:sldId id="263" r:id="rId8"/>
-    <p:sldId id="265" r:id="rId9"/>
-    <p:sldId id="266" r:id="rId10"/>
-    <p:sldId id="267" r:id="rId11"/>
+    <p:sldId id="268" r:id="rId6"/>
+    <p:sldId id="261" r:id="rId7"/>
+    <p:sldId id="260" r:id="rId8"/>
+    <p:sldId id="263" r:id="rId9"/>
+    <p:sldId id="265" r:id="rId10"/>
+    <p:sldId id="266" r:id="rId11"/>
+    <p:sldId id="267" r:id="rId12"/>
   </p:sldIdLst>
   <p:sldSz cx="12192000" cy="6858000"/>
   <p:notesSz cx="6858000" cy="9144000"/>
@@ -270,7 +271,7 @@
           <a:p>
             <a:fld id="{C116AED7-994C-AF42-89FF-64B09BCF8C2B}" type="datetimeFigureOut">
               <a:rPr lang="en-IT" smtClean="0"/>
-              <a:t>03/10/23</a:t>
+              <a:t>08/10/23</a:t>
             </a:fld>
             <a:endParaRPr lang="en-IT"/>
           </a:p>
@@ -470,7 +471,7 @@
           <a:p>
             <a:fld id="{C116AED7-994C-AF42-89FF-64B09BCF8C2B}" type="datetimeFigureOut">
               <a:rPr lang="en-IT" smtClean="0"/>
-              <a:t>03/10/23</a:t>
+              <a:t>08/10/23</a:t>
             </a:fld>
             <a:endParaRPr lang="en-IT"/>
           </a:p>
@@ -680,7 +681,7 @@
           <a:p>
             <a:fld id="{C116AED7-994C-AF42-89FF-64B09BCF8C2B}" type="datetimeFigureOut">
               <a:rPr lang="en-IT" smtClean="0"/>
-              <a:t>03/10/23</a:t>
+              <a:t>08/10/23</a:t>
             </a:fld>
             <a:endParaRPr lang="en-IT"/>
           </a:p>
@@ -880,7 +881,7 @@
           <a:p>
             <a:fld id="{C116AED7-994C-AF42-89FF-64B09BCF8C2B}" type="datetimeFigureOut">
               <a:rPr lang="en-IT" smtClean="0"/>
-              <a:t>03/10/23</a:t>
+              <a:t>08/10/23</a:t>
             </a:fld>
             <a:endParaRPr lang="en-IT"/>
           </a:p>
@@ -1156,7 +1157,7 @@
           <a:p>
             <a:fld id="{C116AED7-994C-AF42-89FF-64B09BCF8C2B}" type="datetimeFigureOut">
               <a:rPr lang="en-IT" smtClean="0"/>
-              <a:t>03/10/23</a:t>
+              <a:t>08/10/23</a:t>
             </a:fld>
             <a:endParaRPr lang="en-IT"/>
           </a:p>
@@ -1424,7 +1425,7 @@
           <a:p>
             <a:fld id="{C116AED7-994C-AF42-89FF-64B09BCF8C2B}" type="datetimeFigureOut">
               <a:rPr lang="en-IT" smtClean="0"/>
-              <a:t>03/10/23</a:t>
+              <a:t>08/10/23</a:t>
             </a:fld>
             <a:endParaRPr lang="en-IT"/>
           </a:p>
@@ -1839,7 +1840,7 @@
           <a:p>
             <a:fld id="{C116AED7-994C-AF42-89FF-64B09BCF8C2B}" type="datetimeFigureOut">
               <a:rPr lang="en-IT" smtClean="0"/>
-              <a:t>03/10/23</a:t>
+              <a:t>08/10/23</a:t>
             </a:fld>
             <a:endParaRPr lang="en-IT"/>
           </a:p>
@@ -1981,7 +1982,7 @@
           <a:p>
             <a:fld id="{C116AED7-994C-AF42-89FF-64B09BCF8C2B}" type="datetimeFigureOut">
               <a:rPr lang="en-IT" smtClean="0"/>
-              <a:t>03/10/23</a:t>
+              <a:t>08/10/23</a:t>
             </a:fld>
             <a:endParaRPr lang="en-IT"/>
           </a:p>
@@ -2094,7 +2095,7 @@
           <a:p>
             <a:fld id="{C116AED7-994C-AF42-89FF-64B09BCF8C2B}" type="datetimeFigureOut">
               <a:rPr lang="en-IT" smtClean="0"/>
-              <a:t>03/10/23</a:t>
+              <a:t>08/10/23</a:t>
             </a:fld>
             <a:endParaRPr lang="en-IT"/>
           </a:p>
@@ -2407,7 +2408,7 @@
           <a:p>
             <a:fld id="{C116AED7-994C-AF42-89FF-64B09BCF8C2B}" type="datetimeFigureOut">
               <a:rPr lang="en-IT" smtClean="0"/>
-              <a:t>03/10/23</a:t>
+              <a:t>08/10/23</a:t>
             </a:fld>
             <a:endParaRPr lang="en-IT"/>
           </a:p>
@@ -2696,7 +2697,7 @@
           <a:p>
             <a:fld id="{C116AED7-994C-AF42-89FF-64B09BCF8C2B}" type="datetimeFigureOut">
               <a:rPr lang="en-IT" smtClean="0"/>
-              <a:t>03/10/23</a:t>
+              <a:t>08/10/23</a:t>
             </a:fld>
             <a:endParaRPr lang="en-IT"/>
           </a:p>
@@ -2939,7 +2940,7 @@
           <a:p>
             <a:fld id="{C116AED7-994C-AF42-89FF-64B09BCF8C2B}" type="datetimeFigureOut">
               <a:rPr lang="en-IT" smtClean="0"/>
-              <a:t>03/10/23</a:t>
+              <a:t>08/10/23</a:t>
             </a:fld>
             <a:endParaRPr lang="en-IT"/>
           </a:p>
@@ -3474,6 +3475,100 @@
       </p:pic>
       <p:pic>
         <p:nvPicPr>
+          <p:cNvPr id="2" name="Picture 1" descr="\documentclass{article}&#10;\usepackage{amsmath,bbm,mathrsfs}&#10;\setlength\parindent{0em}&#10;\usepackage{geometry}&#10;\geometry{textwidth=10cm}&#10;\setlength\parskip{1em}&#10;\pagestyle{empty}&#10;\begin{document}&#10;&#10;La forza di taglio nella sezione è pari a $V=3 \mathrm{kN}$. &#10;&#10;Applicando la formula del taglio si ha:&#10;$$&#10;\begin{aligned}&#10;\tau_P &amp; =\frac{V Q}{I t}=\frac{(3 \mathrm{kN})\left(18.75 \times 10^4 \mathrm{~mm}^3\right)}{\left(16.28 \times 10^6 \mathrm{~mm}^4\right)(100 \mathrm{~mm})} \\&#10;&amp; =3.46 \mathrm{~mm} \times 10^{-4} \mathrm{kN} / \mathrm{mm}^2=0.346 \mathrm{MPa}&#10;\end{aligned}&#10;$$&#10;Poiché $\tau_P$ contribuisce a $V$, essa agisce verso il basso in corrispondenza di $P$ sulla sezione trasversale. &#10;&#10;Ne consegue che un elemento infinitesimo di volume in questo punto dovrebbe avere tensioni tangenziali associate agenti come mostrato nella Figura (c)&#10;&#10;&#10;\end{document}" title="IguanaTex Bitmap Display">
+            <a:extLst>
+              <a:ext uri="{FF2B5EF4-FFF2-40B4-BE49-F238E27FC236}">
+                <a16:creationId xmlns:a16="http://schemas.microsoft.com/office/drawing/2014/main" id="{1EE8FC75-493D-5177-3FDE-F2E163C63B85}"/>
+              </a:ext>
+            </a:extLst>
+          </p:cNvPr>
+          <p:cNvPicPr>
+            <a:picLocks noChangeAspect="1"/>
+          </p:cNvPicPr>
+          <p:nvPr>
+            <p:custDataLst>
+              <p:tags r:id="rId1"/>
+            </p:custDataLst>
+          </p:nvPr>
+        </p:nvPicPr>
+        <p:blipFill>
+          <a:blip r:embed="rId4"/>
+          <a:stretch>
+            <a:fillRect/>
+          </a:stretch>
+        </p:blipFill>
+        <p:spPr>
+          <a:xfrm>
+            <a:off x="306978" y="296219"/>
+            <a:ext cx="7188200" cy="4114800"/>
+          </a:xfrm>
+          <a:prstGeom prst="rect">
+            <a:avLst/>
+          </a:prstGeom>
+        </p:spPr>
+      </p:pic>
+    </p:spTree>
+    <p:extLst>
+      <p:ext uri="{BB962C8B-B14F-4D97-AF65-F5344CB8AC3E}">
+        <p14:creationId xmlns:p14="http://schemas.microsoft.com/office/powerpoint/2010/main" val="3726564208"/>
+      </p:ext>
+    </p:extLst>
+  </p:cSld>
+  <p:clrMapOvr>
+    <a:masterClrMapping/>
+  </p:clrMapOvr>
+</p:sld>
+</file>
+
+<file path=ppt/slides/slide11.xml><?xml version="1.0" encoding="utf-8"?>
+<p:sld xmlns:a="http://schemas.openxmlformats.org/drawingml/2006/main" xmlns:r="http://schemas.openxmlformats.org/officeDocument/2006/relationships" xmlns:p="http://schemas.openxmlformats.org/presentationml/2006/main">
+  <p:cSld>
+    <p:spTree>
+      <p:nvGrpSpPr>
+        <p:cNvPr id="1" name=""/>
+        <p:cNvGrpSpPr/>
+        <p:nvPr/>
+      </p:nvGrpSpPr>
+      <p:grpSpPr>
+        <a:xfrm>
+          <a:off x="0" y="0"/>
+          <a:ext cx="0" cy="0"/>
+          <a:chOff x="0" y="0"/>
+          <a:chExt cx="0" cy="0"/>
+        </a:xfrm>
+      </p:grpSpPr>
+      <p:pic>
+        <p:nvPicPr>
+          <p:cNvPr id="5" name="Picture 4">
+            <a:extLst>
+              <a:ext uri="{FF2B5EF4-FFF2-40B4-BE49-F238E27FC236}">
+                <a16:creationId xmlns:a16="http://schemas.microsoft.com/office/drawing/2014/main" id="{0B5BE183-E7D4-56F2-C94C-2AE6E92BD469}"/>
+              </a:ext>
+            </a:extLst>
+          </p:cNvPr>
+          <p:cNvPicPr>
+            <a:picLocks noChangeAspect="1"/>
+          </p:cNvPicPr>
+          <p:nvPr/>
+        </p:nvPicPr>
+        <p:blipFill>
+          <a:blip r:embed="rId3"/>
+          <a:stretch>
+            <a:fillRect/>
+          </a:stretch>
+        </p:blipFill>
+        <p:spPr>
+          <a:xfrm>
+            <a:off x="8022459" y="455011"/>
+            <a:ext cx="3378200" cy="2336800"/>
+          </a:xfrm>
+          <a:prstGeom prst="rect">
+            <a:avLst/>
+          </a:prstGeom>
+        </p:spPr>
+      </p:pic>
+      <p:pic>
+        <p:nvPicPr>
           <p:cNvPr id="3" name="Picture 2">
             <a:extLst>
               <a:ext uri="{FF2B5EF4-FFF2-40B4-BE49-F238E27FC236}">
@@ -3624,7 +3719,7 @@
           <a:p>
             <a:r>
               <a:rPr lang="en-IT" dirty="0"/>
-              <a:t>Dall’equazione di equilibrio dM/dx+V=0 segue che ogni qualvolta il momento flettente sia non uniforme, ad esso e’ associata necessariamente una forza di taglio.</a:t>
+              <a:t>Dall’equazione di equilibrio dM/dx+V=0 segue che ogni qualvolta il momento flettente e` non uniforme, ad esso e’ associata necessariamente una forza di taglio.</a:t>
             </a:r>
           </a:p>
           <a:p>
@@ -4051,10 +4146,10 @@
       </p:pic>
       <p:pic>
         <p:nvPicPr>
-          <p:cNvPr id="26" name="Picture 25" descr="\documentclass{article}&#10;\usepackage{amsmath,bbm,mathrsfs}&#10;\setlength\parindent{0em}&#10;\usepackage{geometry}&#10;\geometry{textwidth=12cm}&#10;\setlength\parskip{1em}&#10;\pagestyle{empty}&#10;\begin{document}&#10;Imponendo l'equilibrio alla traslazione in direzione longitudinale (in direzione opposta all'asse x) e utilizzando la formula della flessione si ottiene&#10;$$&#10;\begin{aligned}&#10;&amp; \leftarrow \Sigma F_x=0 ; \quad \int_{A^{\prime}} \sigma^{\prime} d A^{\prime}-\int_{A^{\prime}} \sigma d A^{\prime}-\tau(t d x)=0 \\&#10;&amp; \int_{A^{\prime}}\left(\frac{M+d M}{I}\right) y d A^{\prime}-\int_{A^{\prime}}\left(\frac{M}{I}\right) y d A^{\prime}-\tau(t d x)=0 \\&#10;&amp; \left(\frac{d M}{I}\right) \int_{A^{\prime}} y d A^{\prime}=\tau(t d x) \\&#10;&amp;&#10;\end{aligned}&#10;$$&#10;Risolvendo in funzione di $\tau$ si ottiene&#10;$$&#10;\tau=\frac{1}{I t}\left(\frac{d M}{d x}\right) \int_{A'} y d A^{\prime}&#10;$$&#10;Questa equazione può essere semplificata considerando che $$V=d M / d x$$ &#10;&#10;Posto&#10;$$&#10;Q=\int_{A^{\prime}} y d A^{\prime}=\bar{y}^{\prime} A^{\prime}&#10;$$&#10;possiamo scrivere&#10;$$&#10;\begin{gathered}&#10;\tau=\frac{V Q}{I t}&#10;\end{gathered}&#10;$$&#10;In alternativa, introducendo il baricentro di $A'$&#10;$$&#10;\bar{y}^{\prime}=\frac 1  {A^{\prime}}\int_{A^{\prime}} y d A^{\prime}&#10;$$&#10;abbiamo $Q=A'\overline y'$, e dunque possiamo scrivere&#10;$$&#10;\begin{gathered}&#10;\tau=\frac{V A'\overline y'}{I t}&#10;\end{gathered}&#10;$$&#10;\end{document}" title="IguanaTex Bitmap Display">
-            <a:extLst>
-              <a:ext uri="{FF2B5EF4-FFF2-40B4-BE49-F238E27FC236}">
-                <a16:creationId xmlns:a16="http://schemas.microsoft.com/office/drawing/2014/main" id="{38CEED6F-B29A-91B6-14A4-612B1A0D046F}"/>
+          <p:cNvPr id="18" name="Picture 17" descr="\documentclass{article}&#10;\usepackage{amsmath,bbm,mathrsfs}&#10;\setlength\parindent{0em}&#10;\usepackage{geometry}&#10;\geometry{textwidth=12cm}&#10;\setlength\parskip{1em}&#10;\pagestyle{empty}&#10;\begin{document}&#10;Imponendo l'equilibrio alla traslazione in direzione longitudinale (in direzione opposta all'asse x) e utilizzando la formula della flessione si ottiene&#10;$$&#10;\leftarrow \Sigma F_x=0 ; \quad \int_{A^{\prime}} \sigma^{\prime} d A^{\prime}-\int_{A^{\prime}} \sigma d A^{\prime}-\tau(t d x)=0&#10;$$&#10;Adoperando la formula della flessione, otteniamo&#10;$$&#10;\int_{A^{\prime}}\left(\frac{M+d M}{I}\right) y d A^{\prime}-\int_{A^{\prime}}\left(\frac{M}{I}\right) y d A^{\prime}-\tau(t d x)=0&#10;$$&#10;Semplificando, otteniamo:&#10;$$&#10;\left(\frac{d M}{I}\right) \int_{A^{\prime}} y d A^{\prime}=\tau(t d x) &#10;$$&#10;Risolvendo in funzione di $\tau$ si ottiene&#10;$$&#10;\tau=\frac{1}{I t}\left(\frac{d M}{d x}\right) \int_{A'} y d A^{\prime}&#10;$$&#10;Questa equazione può essere semplificata considerando che &#10;$$V=\frac{d M}{d x}$$ &#10;in modo da ottenere:&#10;$$&#10;\tau=\frac{V}{I t} \int_{A'} y d A^{\prime}&#10;$$&#10;&#10;&#10;&#10;\end{document}" title="IguanaTex Bitmap Display">
+            <a:extLst>
+              <a:ext uri="{FF2B5EF4-FFF2-40B4-BE49-F238E27FC236}">
+                <a16:creationId xmlns:a16="http://schemas.microsoft.com/office/drawing/2014/main" id="{F30F9A06-B561-5846-DF72-384EAA6E89E9}"/>
               </a:ext>
             </a:extLst>
           </p:cNvPr>
@@ -4075,8 +4170,8 @@
         </p:blipFill>
         <p:spPr>
           <a:xfrm>
-            <a:off x="6116657" y="48508"/>
-            <a:ext cx="5539120" cy="6760983"/>
+            <a:off x="5763329" y="582663"/>
+            <a:ext cx="6123952" cy="5601612"/>
           </a:xfrm>
           <a:prstGeom prst="rect">
             <a:avLst/>
@@ -4109,7 +4204,7 @@
         </p:blipFill>
         <p:spPr>
           <a:xfrm>
-            <a:off x="4212040" y="227347"/>
+            <a:off x="4054765" y="582663"/>
             <a:ext cx="1117600" cy="533400"/>
           </a:xfrm>
           <a:prstGeom prst="rect">
@@ -4147,43 +4242,200 @@
           <a:chExt cx="0" cy="0"/>
         </a:xfrm>
       </p:grpSpPr>
-      <p:sp>
-        <p:nvSpPr>
-          <p:cNvPr id="2" name="Title 1">
-            <a:extLst>
-              <a:ext uri="{FF2B5EF4-FFF2-40B4-BE49-F238E27FC236}">
-                <a16:creationId xmlns:a16="http://schemas.microsoft.com/office/drawing/2014/main" id="{D94A08A1-6E79-1F8E-1EE3-32406A1A3B25}"/>
-              </a:ext>
-            </a:extLst>
-          </p:cNvPr>
-          <p:cNvSpPr>
-            <a:spLocks noGrp="1"/>
-          </p:cNvSpPr>
-          <p:nvPr>
-            <p:ph type="title"/>
-          </p:nvPr>
-        </p:nvSpPr>
-        <p:spPr>
-          <a:xfrm>
-            <a:off x="1899745" y="2561787"/>
-            <a:ext cx="10515600" cy="1325563"/>
-          </a:xfrm>
-        </p:spPr>
-        <p:txBody>
-          <a:bodyPr/>
-          <a:lstStyle/>
-          <a:p>
-            <a:r>
-              <a:rPr lang="en-IT" dirty="0"/>
-              <a:t>Esempio: trave a sezione rettangolare</a:t>
-            </a:r>
-          </a:p>
-        </p:txBody>
-      </p:sp>
+      <p:pic>
+        <p:nvPicPr>
+          <p:cNvPr id="4" name="Content Placeholder 3">
+            <a:extLst>
+              <a:ext uri="{FF2B5EF4-FFF2-40B4-BE49-F238E27FC236}">
+                <a16:creationId xmlns:a16="http://schemas.microsoft.com/office/drawing/2014/main" id="{4DF88736-35B6-6348-BB0D-1AD3F51E23E0}"/>
+              </a:ext>
+            </a:extLst>
+          </p:cNvPr>
+          <p:cNvPicPr>
+            <a:picLocks noGrp="1" noChangeAspect="1"/>
+          </p:cNvPicPr>
+          <p:nvPr>
+            <p:ph idx="1"/>
+          </p:nvPr>
+        </p:nvPicPr>
+        <p:blipFill>
+          <a:blip r:embed="rId4"/>
+          <a:stretch>
+            <a:fillRect/>
+          </a:stretch>
+        </p:blipFill>
+        <p:spPr>
+          <a:xfrm>
+            <a:off x="0" y="-224334"/>
+            <a:ext cx="3859162" cy="2546522"/>
+          </a:xfrm>
+          <a:prstGeom prst="rect">
+            <a:avLst/>
+          </a:prstGeom>
+        </p:spPr>
+      </p:pic>
+      <p:pic>
+        <p:nvPicPr>
+          <p:cNvPr id="9" name="Picture 8">
+            <a:extLst>
+              <a:ext uri="{FF2B5EF4-FFF2-40B4-BE49-F238E27FC236}">
+                <a16:creationId xmlns:a16="http://schemas.microsoft.com/office/drawing/2014/main" id="{24D80237-B32B-294C-C5D8-009692265C87}"/>
+              </a:ext>
+            </a:extLst>
+          </p:cNvPr>
+          <p:cNvPicPr>
+            <a:picLocks noChangeAspect="1"/>
+          </p:cNvPicPr>
+          <p:nvPr/>
+        </p:nvPicPr>
+        <p:blipFill>
+          <a:blip r:embed="rId5"/>
+          <a:stretch>
+            <a:fillRect/>
+          </a:stretch>
+        </p:blipFill>
+        <p:spPr>
+          <a:xfrm>
+            <a:off x="-119127" y="1789887"/>
+            <a:ext cx="2816599" cy="2339715"/>
+          </a:xfrm>
+          <a:prstGeom prst="rect">
+            <a:avLst/>
+          </a:prstGeom>
+        </p:spPr>
+      </p:pic>
+      <p:pic>
+        <p:nvPicPr>
+          <p:cNvPr id="13" name="Picture 12">
+            <a:extLst>
+              <a:ext uri="{FF2B5EF4-FFF2-40B4-BE49-F238E27FC236}">
+                <a16:creationId xmlns:a16="http://schemas.microsoft.com/office/drawing/2014/main" id="{62C57B9A-0964-434B-8E17-B732EB4E201B}"/>
+              </a:ext>
+            </a:extLst>
+          </p:cNvPr>
+          <p:cNvPicPr>
+            <a:picLocks noChangeAspect="1"/>
+          </p:cNvPicPr>
+          <p:nvPr/>
+        </p:nvPicPr>
+        <p:blipFill>
+          <a:blip r:embed="rId6"/>
+          <a:stretch>
+            <a:fillRect/>
+          </a:stretch>
+        </p:blipFill>
+        <p:spPr>
+          <a:xfrm>
+            <a:off x="65303" y="4336409"/>
+            <a:ext cx="5264337" cy="2332052"/>
+          </a:xfrm>
+          <a:prstGeom prst="rect">
+            <a:avLst/>
+          </a:prstGeom>
+        </p:spPr>
+      </p:pic>
+      <p:pic>
+        <p:nvPicPr>
+          <p:cNvPr id="14" name="Picture 13">
+            <a:extLst>
+              <a:ext uri="{FF2B5EF4-FFF2-40B4-BE49-F238E27FC236}">
+                <a16:creationId xmlns:a16="http://schemas.microsoft.com/office/drawing/2014/main" id="{EAE98AC5-31D5-0D86-C199-38D979602177}"/>
+              </a:ext>
+            </a:extLst>
+          </p:cNvPr>
+          <p:cNvPicPr>
+            <a:picLocks noChangeAspect="1"/>
+          </p:cNvPicPr>
+          <p:nvPr/>
+        </p:nvPicPr>
+        <p:blipFill>
+          <a:blip r:embed="rId7"/>
+          <a:stretch>
+            <a:fillRect/>
+          </a:stretch>
+        </p:blipFill>
+        <p:spPr>
+          <a:xfrm>
+            <a:off x="3412604" y="1952634"/>
+            <a:ext cx="1955365" cy="2546522"/>
+          </a:xfrm>
+          <a:prstGeom prst="rect">
+            <a:avLst/>
+          </a:prstGeom>
+        </p:spPr>
+      </p:pic>
+      <p:pic>
+        <p:nvPicPr>
+          <p:cNvPr id="8" name="Picture 7" descr="\documentclass{article}&#10;\usepackage{amsmath,bbm,mathrsfs}&#10;\setlength\parindent{0em}&#10;\usepackage{geometry}&#10;\geometry{textwidth=7cm}&#10;\setlength\parskip{1em}&#10;\pagestyle{empty}&#10;\begin{document}&#10;Partendo da&#10;$$&#10;\tau=\frac{V}{I t} \int_{A'} y d A^{\prime}&#10;$$&#10;poniamo&#10;$$&#10;Q=\int_{A^{\prime}} y d A^{\prime}=\bar{y}^{\prime} A^{\prime}&#10;$$&#10;e possiamo scrivere&#10;$$&#10;\begin{gathered}&#10;\tau=\frac{V Q}{I t}&#10;\end{gathered}&#10;$$&#10;In alternativa, introducendo il baricentro di $A'$&#10;$$&#10;\bar{y}^{\prime}=\frac 1  {A^{\prime}}\int_{A^{\prime}} y d A^{\prime}&#10;$$&#10;abbiamo $Q=A'\overline y'$, e dunque possiamo scrivere&#10;$$&#10;\begin{gathered}&#10;\tau=\frac{V A'\overline y'}{I t}&#10;\end{gathered}&#10;$$&#10;\end{document}" title="IguanaTex Bitmap Display">
+            <a:extLst>
+              <a:ext uri="{FF2B5EF4-FFF2-40B4-BE49-F238E27FC236}">
+                <a16:creationId xmlns:a16="http://schemas.microsoft.com/office/drawing/2014/main" id="{29B70DD0-CF4D-64F3-3B86-9BF72D52182A}"/>
+              </a:ext>
+            </a:extLst>
+          </p:cNvPr>
+          <p:cNvPicPr>
+            <a:picLocks noChangeAspect="1"/>
+          </p:cNvPicPr>
+          <p:nvPr>
+            <p:custDataLst>
+              <p:tags r:id="rId1"/>
+            </p:custDataLst>
+          </p:nvPr>
+        </p:nvPicPr>
+        <p:blipFill>
+          <a:blip r:embed="rId8"/>
+          <a:stretch>
+            <a:fillRect/>
+          </a:stretch>
+        </p:blipFill>
+        <p:spPr>
+          <a:xfrm>
+            <a:off x="6519411" y="436972"/>
+            <a:ext cx="4701758" cy="5984055"/>
+          </a:xfrm>
+          <a:prstGeom prst="rect">
+            <a:avLst/>
+          </a:prstGeom>
+        </p:spPr>
+      </p:pic>
+      <p:pic>
+        <p:nvPicPr>
+          <p:cNvPr id="11" name="Picture 10" descr="\documentclass{article}&#10;\usepackage{amsmath,bbm,mathrsfs}&#10;\setlength\parindent{0em}&#10;\usepackage{geometry}&#10;\geometry{textwidth=10cm}&#10;\setlength\parskip{1em}&#10;\pagestyle{empty}&#10;\begin{document}&#10;&#10;$$&#10;\sigma=-\frac {M y}{I}&#10;$$&#10;&#10;&#10;\end{document}" title="IguanaTex Bitmap Display">
+            <a:extLst>
+              <a:ext uri="{FF2B5EF4-FFF2-40B4-BE49-F238E27FC236}">
+                <a16:creationId xmlns:a16="http://schemas.microsoft.com/office/drawing/2014/main" id="{5F726C69-2829-17AC-ED67-CE6195785811}"/>
+              </a:ext>
+            </a:extLst>
+          </p:cNvPr>
+          <p:cNvPicPr>
+            <a:picLocks noChangeAspect="1"/>
+          </p:cNvPicPr>
+          <p:nvPr>
+            <p:custDataLst>
+              <p:tags r:id="rId2"/>
+            </p:custDataLst>
+          </p:nvPr>
+        </p:nvPicPr>
+        <p:blipFill>
+          <a:blip r:embed="rId9"/>
+          <a:stretch>
+            <a:fillRect/>
+          </a:stretch>
+        </p:blipFill>
+        <p:spPr>
+          <a:xfrm>
+            <a:off x="4212040" y="227347"/>
+            <a:ext cx="1117600" cy="533400"/>
+          </a:xfrm>
+          <a:prstGeom prst="rect">
+            <a:avLst/>
+          </a:prstGeom>
+        </p:spPr>
+      </p:pic>
     </p:spTree>
     <p:extLst>
       <p:ext uri="{BB962C8B-B14F-4D97-AF65-F5344CB8AC3E}">
-        <p14:creationId xmlns:p14="http://schemas.microsoft.com/office/powerpoint/2010/main" val="2675393252"/>
+        <p14:creationId xmlns:p14="http://schemas.microsoft.com/office/powerpoint/2010/main" val="2689794320"/>
       </p:ext>
     </p:extLst>
   </p:cSld>
@@ -4210,104 +4462,43 @@
           <a:chExt cx="0" cy="0"/>
         </a:xfrm>
       </p:grpSpPr>
-      <p:pic>
-        <p:nvPicPr>
-          <p:cNvPr id="4" name="Picture 3">
-            <a:extLst>
-              <a:ext uri="{FF2B5EF4-FFF2-40B4-BE49-F238E27FC236}">
-                <a16:creationId xmlns:a16="http://schemas.microsoft.com/office/drawing/2014/main" id="{6A4DDBA6-3E8E-3C02-291C-58B05282DC91}"/>
-              </a:ext>
-            </a:extLst>
-          </p:cNvPr>
-          <p:cNvPicPr>
-            <a:picLocks noChangeAspect="1"/>
-          </p:cNvPicPr>
-          <p:nvPr/>
-        </p:nvPicPr>
-        <p:blipFill>
-          <a:blip r:embed="rId3"/>
-          <a:stretch>
-            <a:fillRect/>
-          </a:stretch>
-        </p:blipFill>
-        <p:spPr>
-          <a:xfrm>
-            <a:off x="36398" y="1070578"/>
-            <a:ext cx="2933700" cy="5181600"/>
-          </a:xfrm>
-          <a:prstGeom prst="rect">
-            <a:avLst/>
-          </a:prstGeom>
-        </p:spPr>
-      </p:pic>
-      <p:pic>
-        <p:nvPicPr>
-          <p:cNvPr id="13" name="Picture 12" descr="\documentclass{article}&#10;\usepackage{amsmath,bbm,mathrsfs}&#10;\setlength\parindent{0em}&#10;\usepackage{geometry}&#10;\geometry{textwidth=10cm}&#10;\setlength\parskip{1em}&#10;\pagestyle{empty}&#10;\begin{document}&#10;&#10;Valutiamo la tensione tangenziale media in corrispondenza di una corda avente coordinata y, come mostrato in Figura (b).&#10;&#10;Si considera l'area $A^{\prime}$ evidenziata con colore più scuro nella figura. &#10;&#10;Pertanto:&#10;$$&#10;\begin{aligned}&#10;Q &amp; =\bar{y}^{\prime} A^{\prime}=\left[y+\frac{1}{2}\left(\frac{h}{2}-y\right)\right]\left(\frac{h}{2}-y\right) b \\&#10;&amp; =\frac{1}{2}\left(\frac{h^2}{4}-y^2\right) b&#10;\end{aligned}&#10;$$&#10;Applicando la formula del taglio si ottiene&#10;$$&#10;\tau=\frac{V Q}{I t}=\frac{V \frac{1}{2}\left[\left(h^2 / 4\right)-y^2\right] b}{\left(\frac{1}{12} b h^3\right) b}&#10;$$&#10;ovvero&#10;$$&#10;\tau=\frac{6 V}{b h^3}\left(\frac{h^2}{4}-y^2\right)&#10;$$&#10;Esercizio:&#10;&#10;Verificare che il valore massimo della tensione tangenziale \`e&#10;$$&#10;\tau_{\rm max}=1.5 \frac V A&#10;$$&#10;e che&#10;$$&#10;\int_A \tau dA=V&#10;$$&#10;&#10;&#10;\end{document}" title="IguanaTex Bitmap Display">
-            <a:extLst>
-              <a:ext uri="{FF2B5EF4-FFF2-40B4-BE49-F238E27FC236}">
-                <a16:creationId xmlns:a16="http://schemas.microsoft.com/office/drawing/2014/main" id="{0D7C5B11-D2D1-3D17-9B84-1C4178EE8550}"/>
-              </a:ext>
-            </a:extLst>
-          </p:cNvPr>
-          <p:cNvPicPr>
-            <a:picLocks noChangeAspect="1"/>
-          </p:cNvPicPr>
-          <p:nvPr>
-            <p:custDataLst>
-              <p:tags r:id="rId1"/>
-            </p:custDataLst>
-          </p:nvPr>
-        </p:nvPicPr>
-        <p:blipFill>
-          <a:blip r:embed="rId4"/>
-          <a:stretch>
-            <a:fillRect/>
-          </a:stretch>
-        </p:blipFill>
-        <p:spPr>
-          <a:xfrm>
-            <a:off x="6411310" y="101974"/>
-            <a:ext cx="5621185" cy="6654052"/>
-          </a:xfrm>
-          <a:prstGeom prst="rect">
-            <a:avLst/>
-          </a:prstGeom>
-        </p:spPr>
-      </p:pic>
-      <p:pic>
-        <p:nvPicPr>
-          <p:cNvPr id="9" name="Picture 8">
-            <a:extLst>
-              <a:ext uri="{FF2B5EF4-FFF2-40B4-BE49-F238E27FC236}">
-                <a16:creationId xmlns:a16="http://schemas.microsoft.com/office/drawing/2014/main" id="{16ED21F5-F096-3C5B-DAEA-589FBC1557B6}"/>
-              </a:ext>
-            </a:extLst>
-          </p:cNvPr>
-          <p:cNvPicPr>
-            <a:picLocks noChangeAspect="1"/>
-          </p:cNvPicPr>
-          <p:nvPr/>
-        </p:nvPicPr>
-        <p:blipFill>
-          <a:blip r:embed="rId5"/>
-          <a:stretch>
-            <a:fillRect/>
-          </a:stretch>
-        </p:blipFill>
-        <p:spPr>
-          <a:xfrm>
-            <a:off x="2970097" y="1221453"/>
-            <a:ext cx="2610895" cy="5149552"/>
-          </a:xfrm>
-          <a:prstGeom prst="rect">
-            <a:avLst/>
-          </a:prstGeom>
-        </p:spPr>
-      </p:pic>
+      <p:sp>
+        <p:nvSpPr>
+          <p:cNvPr id="2" name="Title 1">
+            <a:extLst>
+              <a:ext uri="{FF2B5EF4-FFF2-40B4-BE49-F238E27FC236}">
+                <a16:creationId xmlns:a16="http://schemas.microsoft.com/office/drawing/2014/main" id="{D94A08A1-6E79-1F8E-1EE3-32406A1A3B25}"/>
+              </a:ext>
+            </a:extLst>
+          </p:cNvPr>
+          <p:cNvSpPr>
+            <a:spLocks noGrp="1"/>
+          </p:cNvSpPr>
+          <p:nvPr>
+            <p:ph type="title"/>
+          </p:nvPr>
+        </p:nvSpPr>
+        <p:spPr>
+          <a:xfrm>
+            <a:off x="1899745" y="2561787"/>
+            <a:ext cx="10515600" cy="1325563"/>
+          </a:xfrm>
+        </p:spPr>
+        <p:txBody>
+          <a:bodyPr/>
+          <a:lstStyle/>
+          <a:p>
+            <a:r>
+              <a:rPr lang="en-IT" dirty="0"/>
+              <a:t>Esempio: trave a sezione rettangolare</a:t>
+            </a:r>
+          </a:p>
+        </p:txBody>
+      </p:sp>
     </p:spTree>
     <p:extLst>
       <p:ext uri="{BB962C8B-B14F-4D97-AF65-F5344CB8AC3E}">
-        <p14:creationId xmlns:p14="http://schemas.microsoft.com/office/powerpoint/2010/main" val="516399754"/>
+        <p14:creationId xmlns:p14="http://schemas.microsoft.com/office/powerpoint/2010/main" val="2675393252"/>
       </p:ext>
     </p:extLst>
   </p:cSld>
@@ -4334,45 +4525,12 @@
           <a:chExt cx="0" cy="0"/>
         </a:xfrm>
       </p:grpSpPr>
-      <p:sp>
-        <p:nvSpPr>
-          <p:cNvPr id="2" name="Title 1">
-            <a:extLst>
-              <a:ext uri="{FF2B5EF4-FFF2-40B4-BE49-F238E27FC236}">
-                <a16:creationId xmlns:a16="http://schemas.microsoft.com/office/drawing/2014/main" id="{90C8E74A-B531-9D47-5284-F44A5BCEAACA}"/>
-              </a:ext>
-            </a:extLst>
-          </p:cNvPr>
-          <p:cNvSpPr>
-            <a:spLocks noGrp="1"/>
-          </p:cNvSpPr>
-          <p:nvPr>
-            <p:ph type="title"/>
-          </p:nvPr>
-        </p:nvSpPr>
-        <p:spPr>
-          <a:xfrm>
-            <a:off x="291663" y="0"/>
-            <a:ext cx="10515600" cy="1325563"/>
-          </a:xfrm>
-        </p:spPr>
-        <p:txBody>
-          <a:bodyPr/>
-          <a:lstStyle/>
-          <a:p>
-            <a:r>
-              <a:rPr lang="en-IT" dirty="0"/>
-              <a:t>Esempio</a:t>
-            </a:r>
-          </a:p>
-        </p:txBody>
-      </p:sp>
       <p:pic>
         <p:nvPicPr>
           <p:cNvPr id="4" name="Picture 3">
             <a:extLst>
               <a:ext uri="{FF2B5EF4-FFF2-40B4-BE49-F238E27FC236}">
-                <a16:creationId xmlns:a16="http://schemas.microsoft.com/office/drawing/2014/main" id="{B5E9AA94-B3F5-275E-A0EE-672088092B0F}"/>
+                <a16:creationId xmlns:a16="http://schemas.microsoft.com/office/drawing/2014/main" id="{6A4DDBA6-3E8E-3C02-291C-58B05282DC91}"/>
               </a:ext>
             </a:extLst>
           </p:cNvPr>
@@ -4389,8 +4547,8 @@
         </p:blipFill>
         <p:spPr>
           <a:xfrm>
-            <a:off x="9223703" y="2292350"/>
-            <a:ext cx="2489200" cy="2273300"/>
+            <a:off x="36398" y="1070578"/>
+            <a:ext cx="2933700" cy="5181600"/>
           </a:xfrm>
           <a:prstGeom prst="rect">
             <a:avLst/>
@@ -4399,10 +4557,10 @@
       </p:pic>
       <p:pic>
         <p:nvPicPr>
-          <p:cNvPr id="5" name="Picture 4" descr="\documentclass{article}&#10;\usepackage{amsmath,bbm,mathrsfs}&#10;\setlength\parindent{0em}&#10;\usepackage{geometry}&#10;\geometry{textwidth=10cm}&#10;\setlength\parskip{1em}&#10;\pagestyle{empty}&#10;\begin{document}&#10;&#10;&#10;La trave mostrata nella Figura è di legno ed è soggetta a una forza di taglio in direzione verticale pari a $V=3 \mathrm{kN}$. &#10;&#10;(a) Si determini la tensione tangenziale nella trave in corrispondenza del punto $P$&#10;&#10;(b) si valuti la massima tensione tangenziale nella trave.&#10;&#10;&#10;\end{document}" title="IguanaTex Bitmap Display">
-            <a:extLst>
-              <a:ext uri="{FF2B5EF4-FFF2-40B4-BE49-F238E27FC236}">
-                <a16:creationId xmlns:a16="http://schemas.microsoft.com/office/drawing/2014/main" id="{F1EB4032-5C6D-5EAE-5426-A8F898F4F448}"/>
+          <p:cNvPr id="13" name="Picture 12" descr="\documentclass{article}&#10;\usepackage{amsmath,bbm,mathrsfs}&#10;\setlength\parindent{0em}&#10;\usepackage{geometry}&#10;\geometry{textwidth=10cm}&#10;\setlength\parskip{1em}&#10;\pagestyle{empty}&#10;\begin{document}&#10;&#10;Valutiamo la tensione tangenziale media in corrispondenza di una corda avente coordinata y, come mostrato in Figura (b).&#10;&#10;Si considera l'area $A^{\prime}$ evidenziata con colore più scuro nella figura. &#10;&#10;Pertanto:&#10;$$&#10;\begin{aligned}&#10;Q &amp; =\bar{y}^{\prime} A^{\prime}=\left[y+\frac{1}{2}\left(\frac{h}{2}-y\right)\right]\left(\frac{h}{2}-y\right) b \\&#10;&amp; =\frac{1}{2}\left(\frac{h^2}{4}-y^2\right) b&#10;\end{aligned}&#10;$$&#10;Applicando la formula del taglio si ottiene&#10;$$&#10;\tau=\frac{V Q}{I t}=\frac{V \frac{1}{2}\left[\left(h^2 / 4\right)-y^2\right] b}{\left(\frac{1}{12} b h^3\right) b}&#10;$$&#10;ovvero&#10;$$&#10;\tau=\frac{6 V}{b h^3}\left(\frac{h^2}{4}-y^2\right)&#10;$$&#10;Esercizio:&#10;&#10;Verificare che il valore massimo della tensione tangenziale \`e&#10;$$&#10;\tau_{\rm max}=1.5 \frac V A&#10;$$&#10;e che&#10;$$&#10;\int_A \tau dA=V&#10;$$&#10;&#10;&#10;\end{document}" title="IguanaTex Bitmap Display">
+            <a:extLst>
+              <a:ext uri="{FF2B5EF4-FFF2-40B4-BE49-F238E27FC236}">
+                <a16:creationId xmlns:a16="http://schemas.microsoft.com/office/drawing/2014/main" id="{0D7C5B11-D2D1-3D17-9B84-1C4178EE8550}"/>
               </a:ext>
             </a:extLst>
           </p:cNvPr>
@@ -4423,8 +4581,38 @@
         </p:blipFill>
         <p:spPr>
           <a:xfrm>
-            <a:off x="206703" y="2438400"/>
-            <a:ext cx="7188200" cy="1981200"/>
+            <a:off x="6411310" y="101974"/>
+            <a:ext cx="5621185" cy="6654052"/>
+          </a:xfrm>
+          <a:prstGeom prst="rect">
+            <a:avLst/>
+          </a:prstGeom>
+        </p:spPr>
+      </p:pic>
+      <p:pic>
+        <p:nvPicPr>
+          <p:cNvPr id="9" name="Picture 8">
+            <a:extLst>
+              <a:ext uri="{FF2B5EF4-FFF2-40B4-BE49-F238E27FC236}">
+                <a16:creationId xmlns:a16="http://schemas.microsoft.com/office/drawing/2014/main" id="{16ED21F5-F096-3C5B-DAEA-589FBC1557B6}"/>
+              </a:ext>
+            </a:extLst>
+          </p:cNvPr>
+          <p:cNvPicPr>
+            <a:picLocks noChangeAspect="1"/>
+          </p:cNvPicPr>
+          <p:nvPr/>
+        </p:nvPicPr>
+        <p:blipFill>
+          <a:blip r:embed="rId5"/>
+          <a:stretch>
+            <a:fillRect/>
+          </a:stretch>
+        </p:blipFill>
+        <p:spPr>
+          <a:xfrm>
+            <a:off x="2970097" y="1221453"/>
+            <a:ext cx="2610895" cy="5149552"/>
           </a:xfrm>
           <a:prstGeom prst="rect">
             <a:avLst/>
@@ -4434,7 +4622,7 @@
     </p:spTree>
     <p:extLst>
       <p:ext uri="{BB962C8B-B14F-4D97-AF65-F5344CB8AC3E}">
-        <p14:creationId xmlns:p14="http://schemas.microsoft.com/office/powerpoint/2010/main" val="3425107245"/>
+        <p14:creationId xmlns:p14="http://schemas.microsoft.com/office/powerpoint/2010/main" val="516399754"/>
       </p:ext>
     </p:extLst>
   </p:cSld>
@@ -4461,12 +4649,45 @@
           <a:chExt cx="0" cy="0"/>
         </a:xfrm>
       </p:grpSpPr>
+      <p:sp>
+        <p:nvSpPr>
+          <p:cNvPr id="2" name="Title 1">
+            <a:extLst>
+              <a:ext uri="{FF2B5EF4-FFF2-40B4-BE49-F238E27FC236}">
+                <a16:creationId xmlns:a16="http://schemas.microsoft.com/office/drawing/2014/main" id="{90C8E74A-B531-9D47-5284-F44A5BCEAACA}"/>
+              </a:ext>
+            </a:extLst>
+          </p:cNvPr>
+          <p:cNvSpPr>
+            <a:spLocks noGrp="1"/>
+          </p:cNvSpPr>
+          <p:nvPr>
+            <p:ph type="title"/>
+          </p:nvPr>
+        </p:nvSpPr>
+        <p:spPr>
+          <a:xfrm>
+            <a:off x="291663" y="0"/>
+            <a:ext cx="10515600" cy="1325563"/>
+          </a:xfrm>
+        </p:spPr>
+        <p:txBody>
+          <a:bodyPr/>
+          <a:lstStyle/>
+          <a:p>
+            <a:r>
+              <a:rPr lang="en-IT" dirty="0"/>
+              <a:t>Esempio</a:t>
+            </a:r>
+          </a:p>
+        </p:txBody>
+      </p:sp>
       <p:pic>
         <p:nvPicPr>
-          <p:cNvPr id="5" name="Picture 4">
-            <a:extLst>
-              <a:ext uri="{FF2B5EF4-FFF2-40B4-BE49-F238E27FC236}">
-                <a16:creationId xmlns:a16="http://schemas.microsoft.com/office/drawing/2014/main" id="{0B5BE183-E7D4-56F2-C94C-2AE6E92BD469}"/>
+          <p:cNvPr id="4" name="Picture 3">
+            <a:extLst>
+              <a:ext uri="{FF2B5EF4-FFF2-40B4-BE49-F238E27FC236}">
+                <a16:creationId xmlns:a16="http://schemas.microsoft.com/office/drawing/2014/main" id="{B5E9AA94-B3F5-275E-A0EE-672088092B0F}"/>
               </a:ext>
             </a:extLst>
           </p:cNvPr>
@@ -4474,6 +4695,40 @@
             <a:picLocks noChangeAspect="1"/>
           </p:cNvPicPr>
           <p:nvPr/>
+        </p:nvPicPr>
+        <p:blipFill>
+          <a:blip r:embed="rId3"/>
+          <a:stretch>
+            <a:fillRect/>
+          </a:stretch>
+        </p:blipFill>
+        <p:spPr>
+          <a:xfrm>
+            <a:off x="9223703" y="2292350"/>
+            <a:ext cx="2489200" cy="2273300"/>
+          </a:xfrm>
+          <a:prstGeom prst="rect">
+            <a:avLst/>
+          </a:prstGeom>
+        </p:spPr>
+      </p:pic>
+      <p:pic>
+        <p:nvPicPr>
+          <p:cNvPr id="5" name="Picture 4" descr="\documentclass{article}&#10;\usepackage{amsmath,bbm,mathrsfs}&#10;\setlength\parindent{0em}&#10;\usepackage{geometry}&#10;\geometry{textwidth=10cm}&#10;\setlength\parskip{1em}&#10;\pagestyle{empty}&#10;\begin{document}&#10;&#10;&#10;La trave mostrata nella Figura è di legno ed è soggetta a una forza di taglio in direzione verticale pari a $V=3 \mathrm{kN}$. &#10;&#10;(a) Si determini la tensione tangenziale nella trave in corrispondenza del punto $P$&#10;&#10;(b) si valuti la massima tensione tangenziale nella trave.&#10;&#10;&#10;\end{document}" title="IguanaTex Bitmap Display">
+            <a:extLst>
+              <a:ext uri="{FF2B5EF4-FFF2-40B4-BE49-F238E27FC236}">
+                <a16:creationId xmlns:a16="http://schemas.microsoft.com/office/drawing/2014/main" id="{F1EB4032-5C6D-5EAE-5426-A8F898F4F448}"/>
+              </a:ext>
+            </a:extLst>
+          </p:cNvPr>
+          <p:cNvPicPr>
+            <a:picLocks noChangeAspect="1"/>
+          </p:cNvPicPr>
+          <p:nvPr>
+            <p:custDataLst>
+              <p:tags r:id="rId1"/>
+            </p:custDataLst>
+          </p:nvPr>
         </p:nvPicPr>
         <p:blipFill>
           <a:blip r:embed="rId4"/>
@@ -4483,76 +4738,8 @@
         </p:blipFill>
         <p:spPr>
           <a:xfrm>
-            <a:off x="8022459" y="1801211"/>
-            <a:ext cx="3378200" cy="2336800"/>
-          </a:xfrm>
-          <a:prstGeom prst="rect">
-            <a:avLst/>
-          </a:prstGeom>
-        </p:spPr>
-      </p:pic>
-      <p:pic>
-        <p:nvPicPr>
-          <p:cNvPr id="3" name="Picture 2" descr="\documentclass{article}&#10;\usepackage{amsmath,bbm,mathrsfs}&#10;\setlength\parindent{0em}&#10;\usepackage{geometry}&#10;\geometry{textwidth=10cm}&#10;\setlength\parskip{1em}&#10;\pagestyle{empty}&#10;\begin{document}&#10;&#10;Parte (a). Proprietà della sezione. Il momento d'inerzia della sezione trasversale valutato rispetto all'asse neutro vale:&#10;$$&#10;I=\frac{1}{12} b h^3=\frac{1}{12}(100 \mathrm{~mm})(125 \mathrm{~mm})^3=16.28 \times 10^6 \mathrm{~mm}^4&#10;$$&#10;&#10;&#10;\end{document}" title="IguanaTex Bitmap Display">
-            <a:extLst>
-              <a:ext uri="{FF2B5EF4-FFF2-40B4-BE49-F238E27FC236}">
-                <a16:creationId xmlns:a16="http://schemas.microsoft.com/office/drawing/2014/main" id="{5ED91A9A-6F73-5680-750F-5CEE88C630CF}"/>
-              </a:ext>
-            </a:extLst>
-          </p:cNvPr>
-          <p:cNvPicPr>
-            <a:picLocks noChangeAspect="1"/>
-          </p:cNvPicPr>
-          <p:nvPr>
-            <p:custDataLst>
-              <p:tags r:id="rId1"/>
-            </p:custDataLst>
-          </p:nvPr>
-        </p:nvPicPr>
-        <p:blipFill>
-          <a:blip r:embed="rId5"/>
-          <a:stretch>
-            <a:fillRect/>
-          </a:stretch>
-        </p:blipFill>
-        <p:spPr>
-          <a:xfrm>
-            <a:off x="311807" y="455011"/>
-            <a:ext cx="7188200" cy="1346200"/>
-          </a:xfrm>
-          <a:prstGeom prst="rect">
-            <a:avLst/>
-          </a:prstGeom>
-        </p:spPr>
-      </p:pic>
-      <p:pic>
-        <p:nvPicPr>
-          <p:cNvPr id="4" name="Picture 3" descr="\documentclass{article}&#10;\usepackage{amsmath,bbm,mathrsfs}&#10;\setlength\parindent{0em}&#10;\usepackage{geometry}&#10;\geometry{textwidth=10cm}&#10;\setlength\parskip{1em}&#10;\pagestyle{empty}&#10;\begin{document}&#10;&#10;Si traccia una corda orizzontale in corrispondenza del punto $P$ e nella Figura (b) viene evidenziata l'area $A^{\prime}$. &#10;&#10;Pertanto:&#10;$$&#10;\begin{aligned}&#10;Q &amp; =\bar{y}^{\prime} A^{\prime}=\left[12.5/2 \mathrm{~mm}-\frac{1}{2}(50 \mathrm{~mm})\right](50 \mathrm{~mm})(100 \mathrm{~mm}) \\&#10;&amp; =18.75 \mathrm{~mm} \times 10^4 \mathrm{~mm}^3&#10;\end{aligned}&#10;$$&#10;&#10;&#10;\end{document}" title="IguanaTex Bitmap Display">
-            <a:extLst>
-              <a:ext uri="{FF2B5EF4-FFF2-40B4-BE49-F238E27FC236}">
-                <a16:creationId xmlns:a16="http://schemas.microsoft.com/office/drawing/2014/main" id="{D253D704-6FF6-AC0C-B56D-24DE893FF430}"/>
-              </a:ext>
-            </a:extLst>
-          </p:cNvPr>
-          <p:cNvPicPr>
-            <a:picLocks noChangeAspect="1"/>
-          </p:cNvPicPr>
-          <p:nvPr>
-            <p:custDataLst>
-              <p:tags r:id="rId2"/>
-            </p:custDataLst>
-          </p:nvPr>
-        </p:nvPicPr>
-        <p:blipFill>
-          <a:blip r:embed="rId6"/>
-          <a:stretch>
-            <a:fillRect/>
-          </a:stretch>
-        </p:blipFill>
-        <p:spPr>
-          <a:xfrm>
-            <a:off x="311807" y="2214179"/>
-            <a:ext cx="7188200" cy="2260600"/>
+            <a:off x="206703" y="2438400"/>
+            <a:ext cx="7188200" cy="1981200"/>
           </a:xfrm>
           <a:prstGeom prst="rect">
             <a:avLst/>
@@ -4562,7 +4749,7 @@
     </p:spTree>
     <p:extLst>
       <p:ext uri="{BB962C8B-B14F-4D97-AF65-F5344CB8AC3E}">
-        <p14:creationId xmlns:p14="http://schemas.microsoft.com/office/powerpoint/2010/main" val="416028302"/>
+        <p14:creationId xmlns:p14="http://schemas.microsoft.com/office/powerpoint/2010/main" val="3425107245"/>
       </p:ext>
     </p:extLst>
   </p:cSld>
@@ -4604,40 +4791,6 @@
           <p:nvPr/>
         </p:nvPicPr>
         <p:blipFill>
-          <a:blip r:embed="rId3"/>
-          <a:stretch>
-            <a:fillRect/>
-          </a:stretch>
-        </p:blipFill>
-        <p:spPr>
-          <a:xfrm>
-            <a:off x="8022459" y="455011"/>
-            <a:ext cx="3378200" cy="2336800"/>
-          </a:xfrm>
-          <a:prstGeom prst="rect">
-            <a:avLst/>
-          </a:prstGeom>
-        </p:spPr>
-      </p:pic>
-      <p:pic>
-        <p:nvPicPr>
-          <p:cNvPr id="2" name="Picture 1" descr="\documentclass{article}&#10;\usepackage{amsmath,bbm,mathrsfs}&#10;\setlength\parindent{0em}&#10;\usepackage{geometry}&#10;\geometry{textwidth=10cm}&#10;\setlength\parskip{1em}&#10;\pagestyle{empty}&#10;\begin{document}&#10;&#10;La forza di taglio nella sezione è pari a $V=3 \mathrm{kN}$. &#10;&#10;Applicando la formula del taglio si ha:&#10;$$&#10;\begin{aligned}&#10;\tau_P &amp; =\frac{V Q}{I t}=\frac{(3 \mathrm{kN})\left(18.75 \times 10^4 \mathrm{~mm}^3\right)}{\left(16.28 \times 10^6 \mathrm{~mm}^4\right)(100 \mathrm{~mm})} \\&#10;&amp; =3.46 \mathrm{~mm} \times 10^{-4} \mathrm{kN} / \mathrm{mm}^2=0.346 \mathrm{MPa}&#10;\end{aligned}&#10;$$&#10;Poiché $\tau_P$ contribuisce a $V$, essa agisce verso il basso in corrispondenza di $P$ sulla sezione trasversale. &#10;&#10;Ne consegue che un elemento infinitesimo di volume in questo punto dovrebbe avere tensioni tangenziali associate agenti come mostrato nella Figura (c)&#10;&#10;&#10;\end{document}" title="IguanaTex Bitmap Display">
-            <a:extLst>
-              <a:ext uri="{FF2B5EF4-FFF2-40B4-BE49-F238E27FC236}">
-                <a16:creationId xmlns:a16="http://schemas.microsoft.com/office/drawing/2014/main" id="{1EE8FC75-493D-5177-3FDE-F2E163C63B85}"/>
-              </a:ext>
-            </a:extLst>
-          </p:cNvPr>
-          <p:cNvPicPr>
-            <a:picLocks noChangeAspect="1"/>
-          </p:cNvPicPr>
-          <p:nvPr>
-            <p:custDataLst>
-              <p:tags r:id="rId1"/>
-            </p:custDataLst>
-          </p:nvPr>
-        </p:nvPicPr>
-        <p:blipFill>
           <a:blip r:embed="rId4"/>
           <a:stretch>
             <a:fillRect/>
@@ -4645,8 +4798,76 @@
         </p:blipFill>
         <p:spPr>
           <a:xfrm>
-            <a:off x="306978" y="296219"/>
-            <a:ext cx="7188200" cy="4114800"/>
+            <a:off x="8022459" y="1801211"/>
+            <a:ext cx="3378200" cy="2336800"/>
+          </a:xfrm>
+          <a:prstGeom prst="rect">
+            <a:avLst/>
+          </a:prstGeom>
+        </p:spPr>
+      </p:pic>
+      <p:pic>
+        <p:nvPicPr>
+          <p:cNvPr id="3" name="Picture 2" descr="\documentclass{article}&#10;\usepackage{amsmath,bbm,mathrsfs}&#10;\setlength\parindent{0em}&#10;\usepackage{geometry}&#10;\geometry{textwidth=10cm}&#10;\setlength\parskip{1em}&#10;\pagestyle{empty}&#10;\begin{document}&#10;&#10;Parte (a). Proprietà della sezione. Il momento d'inerzia della sezione trasversale valutato rispetto all'asse neutro vale:&#10;$$&#10;I=\frac{1}{12} b h^3=\frac{1}{12}(100 \mathrm{~mm})(125 \mathrm{~mm})^3=16.28 \times 10^6 \mathrm{~mm}^4&#10;$$&#10;&#10;&#10;\end{document}" title="IguanaTex Bitmap Display">
+            <a:extLst>
+              <a:ext uri="{FF2B5EF4-FFF2-40B4-BE49-F238E27FC236}">
+                <a16:creationId xmlns:a16="http://schemas.microsoft.com/office/drawing/2014/main" id="{5ED91A9A-6F73-5680-750F-5CEE88C630CF}"/>
+              </a:ext>
+            </a:extLst>
+          </p:cNvPr>
+          <p:cNvPicPr>
+            <a:picLocks noChangeAspect="1"/>
+          </p:cNvPicPr>
+          <p:nvPr>
+            <p:custDataLst>
+              <p:tags r:id="rId1"/>
+            </p:custDataLst>
+          </p:nvPr>
+        </p:nvPicPr>
+        <p:blipFill>
+          <a:blip r:embed="rId5"/>
+          <a:stretch>
+            <a:fillRect/>
+          </a:stretch>
+        </p:blipFill>
+        <p:spPr>
+          <a:xfrm>
+            <a:off x="311807" y="455011"/>
+            <a:ext cx="7188200" cy="1346200"/>
+          </a:xfrm>
+          <a:prstGeom prst="rect">
+            <a:avLst/>
+          </a:prstGeom>
+        </p:spPr>
+      </p:pic>
+      <p:pic>
+        <p:nvPicPr>
+          <p:cNvPr id="4" name="Picture 3" descr="\documentclass{article}&#10;\usepackage{amsmath,bbm,mathrsfs}&#10;\setlength\parindent{0em}&#10;\usepackage{geometry}&#10;\geometry{textwidth=10cm}&#10;\setlength\parskip{1em}&#10;\pagestyle{empty}&#10;\begin{document}&#10;&#10;Si traccia una corda orizzontale in corrispondenza del punto $P$ e nella Figura (b) viene evidenziata l'area $A^{\prime}$. &#10;&#10;Pertanto:&#10;$$&#10;\begin{aligned}&#10;Q &amp; =\bar{y}^{\prime} A^{\prime}=\left[12.5/2 \mathrm{~mm}-\frac{1}{2}(50 \mathrm{~mm})\right](50 \mathrm{~mm})(100 \mathrm{~mm}) \\&#10;&amp; =18.75 \mathrm{~mm} \times 10^4 \mathrm{~mm}^3&#10;\end{aligned}&#10;$$&#10;&#10;&#10;\end{document}" title="IguanaTex Bitmap Display">
+            <a:extLst>
+              <a:ext uri="{FF2B5EF4-FFF2-40B4-BE49-F238E27FC236}">
+                <a16:creationId xmlns:a16="http://schemas.microsoft.com/office/drawing/2014/main" id="{D253D704-6FF6-AC0C-B56D-24DE893FF430}"/>
+              </a:ext>
+            </a:extLst>
+          </p:cNvPr>
+          <p:cNvPicPr>
+            <a:picLocks noChangeAspect="1"/>
+          </p:cNvPicPr>
+          <p:nvPr>
+            <p:custDataLst>
+              <p:tags r:id="rId2"/>
+            </p:custDataLst>
+          </p:nvPr>
+        </p:nvPicPr>
+        <p:blipFill>
+          <a:blip r:embed="rId6"/>
+          <a:stretch>
+            <a:fillRect/>
+          </a:stretch>
+        </p:blipFill>
+        <p:spPr>
+          <a:xfrm>
+            <a:off x="311807" y="2214179"/>
+            <a:ext cx="7188200" cy="2260600"/>
           </a:xfrm>
           <a:prstGeom prst="rect">
             <a:avLst/>
@@ -4656,7 +4877,7 @@
     </p:spTree>
     <p:extLst>
       <p:ext uri="{BB962C8B-B14F-4D97-AF65-F5344CB8AC3E}">
-        <p14:creationId xmlns:p14="http://schemas.microsoft.com/office/powerpoint/2010/main" val="3726564208"/>
+        <p14:creationId xmlns:p14="http://schemas.microsoft.com/office/powerpoint/2010/main" val="416028302"/>
       </p:ext>
     </p:extLst>
   </p:cSld>
@@ -4687,6 +4908,46 @@
 </file>
 
 <file path=ppt/tags/tag10.xml><?xml version="1.0" encoding="utf-8"?>
+<p:tagLst xmlns:a="http://schemas.openxmlformats.org/drawingml/2006/main" xmlns:r="http://schemas.openxmlformats.org/officeDocument/2006/relationships" xmlns:p="http://schemas.openxmlformats.org/presentationml/2006/main">
+  <p:tag name="OUTPUTDPI" val="1200"/>
+  <p:tag name="ORIGINALHEIGHT" val="89"/>
+  <p:tag name="ORIGINALWIDTH" val="283"/>
+  <p:tag name="OUTPUTTYPE" val="PDF"/>
+  <p:tag name="IGUANATEXVERSION" val="160"/>
+  <p:tag name="LATEXADDIN" val="\documentclass{article}&#10;\usepackage{amsmath,bbm,mathrsfs}&#10;\setlength\parindent{0em}&#10;\usepackage{geometry}&#10;\geometry{textwidth=10cm}&#10;\setlength\parskip{1em}&#10;\pagestyle{empty}&#10;\begin{document}&#10;&#10;Si traccia una corda orizzontale in corrispondenza del punto $P$ e nella Figura (b) viene evidenziata l'area $A^{\prime}$. &#10;&#10;Pertanto:&#10;$$&#10;\begin{aligned}&#10;Q &amp; =\bar{y}^{\prime} A^{\prime}=\left[12.5/2 \mathrm{~mm}-\frac{1}{2}(50 \mathrm{~mm})\right](50 \mathrm{~mm})(100 \mathrm{~mm}) \\&#10;&amp; =18.75 \mathrm{~mm} \times 10^4 \mathrm{~mm}^3&#10;\end{aligned}&#10;$$&#10;&#10;&#10;\end{document}"/>
+  <p:tag name="IGUANATEXSIZE" val="20"/>
+  <p:tag name="IGUANATEXCURSOR" val="405"/>
+  <p:tag name="TRANSPARENCY" val="True"/>
+  <p:tag name="LATEXENGINEID" val="0"/>
+  <p:tag name="TEMPFOLDER" val="/private/var/folders/bl/qr6kzqqj6dq26b3546l3vykm0000gn/T/com.microsoft.Powerpoint/TemporaryItems/"/>
+  <p:tag name="LATEXFORMHEIGHT" val="426,65"/>
+  <p:tag name="LATEXFORMWIDTH" val="513,35"/>
+  <p:tag name="LATEXFORMWRAP" val="True"/>
+  <p:tag name="BITMAPVECTOR" val="0"/>
+</p:tagLst>
+</file>
+
+<file path=ppt/tags/tag11.xml><?xml version="1.0" encoding="utf-8"?>
+<p:tagLst xmlns:a="http://schemas.openxmlformats.org/drawingml/2006/main" xmlns:r="http://schemas.openxmlformats.org/officeDocument/2006/relationships" xmlns:p="http://schemas.openxmlformats.org/presentationml/2006/main">
+  <p:tag name="OUTPUTDPI" val="1200"/>
+  <p:tag name="ORIGINALHEIGHT" val="162"/>
+  <p:tag name="ORIGINALWIDTH" val="283"/>
+  <p:tag name="OUTPUTTYPE" val="PDF"/>
+  <p:tag name="IGUANATEXVERSION" val="160"/>
+  <p:tag name="LATEXADDIN" val="\documentclass{article}&#10;\usepackage{amsmath,bbm,mathrsfs}&#10;\setlength\parindent{0em}&#10;\usepackage{geometry}&#10;\geometry{textwidth=10cm}&#10;\setlength\parskip{1em}&#10;\pagestyle{empty}&#10;\begin{document}&#10;&#10;La forza di taglio nella sezione è pari a $V=3 \mathrm{kN}$. &#10;&#10;Applicando la formula del taglio si ha:&#10;$$&#10;\begin{aligned}&#10;\tau_P &amp; =\frac{V Q}{I t}=\frac{(3 \mathrm{kN})\left(18.75 \times 10^4 \mathrm{~mm}^3\right)}{\left(16.28 \times 10^6 \mathrm{~mm}^4\right)(100 \mathrm{~mm})} \\&#10;&amp; =3.46 \mathrm{~mm} \times 10^{-4} \mathrm{kN} / \mathrm{mm}^2=0.346 \mathrm{MPa}&#10;\end{aligned}&#10;$$&#10;Poiché $\tau_P$ contribuisce a $V$, essa agisce verso il basso in corrispondenza di $P$ sulla sezione trasversale. &#10;&#10;Ne consegue che un elemento infinitesimo di volume in questo punto dovrebbe avere tensioni tangenziali associate agenti come mostrato nella Figura (c)&#10;&#10;&#10;\end{document}"/>
+  <p:tag name="IGUANATEXSIZE" val="20"/>
+  <p:tag name="IGUANATEXCURSOR" val="843"/>
+  <p:tag name="TRANSPARENCY" val="True"/>
+  <p:tag name="LATEXENGINEID" val="0"/>
+  <p:tag name="TEMPFOLDER" val="/private/var/folders/bl/qr6kzqqj6dq26b3546l3vykm0000gn/T/com.microsoft.Powerpoint/TemporaryItems/"/>
+  <p:tag name="LATEXFORMHEIGHT" val="426,65"/>
+  <p:tag name="LATEXFORMWIDTH" val="513,35"/>
+  <p:tag name="LATEXFORMWRAP" val="True"/>
+  <p:tag name="BITMAPVECTOR" val="0"/>
+</p:tagLst>
+</file>
+
+<file path=ppt/tags/tag12.xml><?xml version="1.0" encoding="utf-8"?>
 <p:tagLst xmlns:a="http://schemas.openxmlformats.org/drawingml/2006/main" xmlns:r="http://schemas.openxmlformats.org/officeDocument/2006/relationships" xmlns:p="http://schemas.openxmlformats.org/presentationml/2006/main">
   <p:tag name="OUTPUTDPI" val="1200"/>
   <p:tag name="ORIGINALHEIGHT" val="226"/>
@@ -4729,13 +4990,13 @@
 <file path=ppt/tags/tag3.xml><?xml version="1.0" encoding="utf-8"?>
 <p:tagLst xmlns:a="http://schemas.openxmlformats.org/drawingml/2006/main" xmlns:r="http://schemas.openxmlformats.org/officeDocument/2006/relationships" xmlns:p="http://schemas.openxmlformats.org/presentationml/2006/main">
   <p:tag name="OUTPUTDPI" val="1200"/>
-  <p:tag name="ORIGINALHEIGHT" val="415"/>
+  <p:tag name="ORIGINALHEIGHT" val="311"/>
   <p:tag name="ORIGINALWIDTH" val="340"/>
   <p:tag name="OUTPUTTYPE" val="PDF"/>
   <p:tag name="IGUANATEXVERSION" val="160"/>
-  <p:tag name="LATEXADDIN" val="\documentclass{article}&#10;\usepackage{amsmath,bbm,mathrsfs}&#10;\setlength\parindent{0em}&#10;\usepackage{geometry}&#10;\geometry{textwidth=12cm}&#10;\setlength\parskip{1em}&#10;\pagestyle{empty}&#10;\begin{document}&#10;Imponendo l'equilibrio alla traslazione in direzione longitudinale (in direzione opposta all'asse x) e utilizzando la formula della flessione si ottiene&#10;$$&#10;\begin{aligned}&#10;&amp; \leftarrow \Sigma F_x=0 ; \quad \int_{A^{\prime}} \sigma^{\prime} d A^{\prime}-\int_{A^{\prime}} \sigma d A^{\prime}-\tau(t d x)=0 \\&#10;&amp; \int_{A^{\prime}}\left(\frac{M+d M}{I}\right) y d A^{\prime}-\int_{A^{\prime}}\left(\frac{M}{I}\right) y d A^{\prime}-\tau(t d x)=0 \\&#10;&amp; \left(\frac{d M}{I}\right) \int_{A^{\prime}} y d A^{\prime}=\tau(t d x) \\&#10;&amp;&#10;\end{aligned}&#10;$$&#10;Risolvendo in funzione di $\tau$ si ottiene&#10;$$&#10;\tau=\frac{1}{I t}\left(\frac{d M}{d x}\right) \int_{A'} y d A^{\prime}&#10;$$&#10;Questa equazione può essere semplificata considerando che $$V=d M / d x$$ &#10;&#10;Posto&#10;$$&#10;Q=\int_{A^{\prime}} y d A^{\prime}=\bar{y}^{\prime} A^{\prime}&#10;$$&#10;possiamo scrivere&#10;$$&#10;\begin{gathered}&#10;\tau=\frac{V Q}{I t}&#10;\end{gathered}&#10;$$&#10;In alternativa, introducendo il baricentro di $A'$&#10;$$&#10;\bar{y}^{\prime}=\frac 1  {A^{\prime}}\int_{A^{\prime}} y d A^{\prime}&#10;$$&#10;abbiamo $Q=A'\overline y'$, e dunque possiamo scrivere&#10;$$&#10;\begin{gathered}&#10;\tau=\frac{V A'\overline y'}{I t}&#10;\end{gathered}&#10;$$&#10;\end{document}"/>
+  <p:tag name="LATEXADDIN" val="\documentclass{article}&#10;\usepackage{amsmath,bbm,mathrsfs}&#10;\setlength\parindent{0em}&#10;\usepackage{geometry}&#10;\geometry{textwidth=12cm}&#10;\setlength\parskip{1em}&#10;\pagestyle{empty}&#10;\begin{document}&#10;Imponendo l'equilibrio alla traslazione in direzione longitudinale (in direzione opposta all'asse x) e utilizzando la formula della flessione si ottiene&#10;$$&#10;\leftarrow \Sigma F_x=0 ; \quad \int_{A^{\prime}} \sigma^{\prime} d A^{\prime}-\int_{A^{\prime}} \sigma d A^{\prime}-\tau(t d x)=0&#10;$$&#10;Adoperando la formula della flessione, otteniamo&#10;$$&#10;\int_{A^{\prime}}\left(\frac{M+d M}{I}\right) y d A^{\prime}-\int_{A^{\prime}}\left(\frac{M}{I}\right) y d A^{\prime}-\tau(t d x)=0&#10;$$&#10;Semplificando, otteniamo:&#10;$$&#10;\left(\frac{d M}{I}\right) \int_{A^{\prime}} y d A^{\prime}=\tau(t d x) &#10;$$&#10;Risolvendo in funzione di $\tau$ si ottiene&#10;$$&#10;\tau=\frac{1}{I t}\left(\frac{d M}{d x}\right) \int_{A'} y d A^{\prime}&#10;$$&#10;Questa equazione può essere semplificata considerando che &#10;$$V=\frac{d M}{d x}$$ &#10;in modo da ottenere:&#10;$$&#10;\tau=\frac{V}{I t} \int_{A'} y d A^{\prime}&#10;$$&#10;&#10;&#10;&#10;\end{document}"/>
   <p:tag name="IGUANATEXSIZE" val="20"/>
-  <p:tag name="IGUANATEXCURSOR" val="1163"/>
+  <p:tag name="IGUANATEXCURSOR" val="1013"/>
   <p:tag name="TRANSPARENCY" val="True"/>
   <p:tag name="LATEXENGINEID" val="0"/>
   <p:tag name="TEMPFOLDER" val="/private/var/folders/bl/qr6kzqqj6dq26b3546l3vykm0000gn/T/com.microsoft.Powerpoint/TemporaryItems/"/>
@@ -4769,6 +5030,46 @@
 <file path=ppt/tags/tag5.xml><?xml version="1.0" encoding="utf-8"?>
 <p:tagLst xmlns:a="http://schemas.openxmlformats.org/drawingml/2006/main" xmlns:r="http://schemas.openxmlformats.org/officeDocument/2006/relationships" xmlns:p="http://schemas.openxmlformats.org/presentationml/2006/main">
   <p:tag name="OUTPUTDPI" val="1200"/>
+  <p:tag name="ORIGINALHEIGHT" val="252"/>
+  <p:tag name="ORIGINALWIDTH" val="198"/>
+  <p:tag name="OUTPUTTYPE" val="PDF"/>
+  <p:tag name="IGUANATEXVERSION" val="160"/>
+  <p:tag name="LATEXADDIN" val="\documentclass{article}&#10;\usepackage{amsmath,bbm,mathrsfs}&#10;\setlength\parindent{0em}&#10;\usepackage{geometry}&#10;\geometry{textwidth=7cm}&#10;\setlength\parskip{1em}&#10;\pagestyle{empty}&#10;\begin{document}&#10;Partendo da&#10;$$&#10;\tau=\frac{V}{I t} \int_{A'} y d A^{\prime}&#10;$$&#10;poniamo&#10;$$&#10;Q=\int_{A^{\prime}} y d A^{\prime}=\bar{y}^{\prime} A^{\prime}&#10;$$&#10;e possiamo scrivere&#10;$$&#10;\begin{gathered}&#10;\tau=\frac{V Q}{I t}&#10;\end{gathered}&#10;$$&#10;In alternativa, introducendo il baricentro di $A'$&#10;$$&#10;\bar{y}^{\prime}=\frac 1  {A^{\prime}}\int_{A^{\prime}} y d A^{\prime}&#10;$$&#10;abbiamo $Q=A'\overline y'$, e dunque possiamo scrivere&#10;$$&#10;\begin{gathered}&#10;\tau=\frac{V A'\overline y'}{I t}&#10;\end{gathered}&#10;$$&#10;\end{document}"/>
+  <p:tag name="IGUANATEXSIZE" val="20"/>
+  <p:tag name="IGUANATEXCURSOR" val="127"/>
+  <p:tag name="TRANSPARENCY" val="True"/>
+  <p:tag name="LATEXENGINEID" val="0"/>
+  <p:tag name="TEMPFOLDER" val="/private/var/folders/bl/qr6kzqqj6dq26b3546l3vykm0000gn/T/com.microsoft.Powerpoint/TemporaryItems/"/>
+  <p:tag name="LATEXFORMHEIGHT" val="426,65"/>
+  <p:tag name="LATEXFORMWIDTH" val="513,35"/>
+  <p:tag name="LATEXFORMWRAP" val="True"/>
+  <p:tag name="BITMAPVECTOR" val="0"/>
+</p:tagLst>
+</file>
+
+<file path=ppt/tags/tag6.xml><?xml version="1.0" encoding="utf-8"?>
+<p:tagLst xmlns:a="http://schemas.openxmlformats.org/drawingml/2006/main" xmlns:r="http://schemas.openxmlformats.org/officeDocument/2006/relationships" xmlns:p="http://schemas.openxmlformats.org/presentationml/2006/main">
+  <p:tag name="OUTPUTDPI" val="1200"/>
+  <p:tag name="ORIGINALHEIGHT" val="21"/>
+  <p:tag name="ORIGINALWIDTH" val="44"/>
+  <p:tag name="OUTPUTTYPE" val="PDF"/>
+  <p:tag name="IGUANATEXVERSION" val="160"/>
+  <p:tag name="LATEXADDIN" val="\documentclass{article}&#10;\usepackage{amsmath,bbm,mathrsfs}&#10;\setlength\parindent{0em}&#10;\usepackage{geometry}&#10;\geometry{textwidth=10cm}&#10;\setlength\parskip{1em}&#10;\pagestyle{empty}&#10;\begin{document}&#10;&#10;$$&#10;\sigma=-\frac {M y}{I}&#10;$$&#10;&#10;&#10;\end{document}"/>
+  <p:tag name="IGUANATEXSIZE" val="20"/>
+  <p:tag name="IGUANATEXCURSOR" val="220"/>
+  <p:tag name="TRANSPARENCY" val="True"/>
+  <p:tag name="LATEXENGINEID" val="0"/>
+  <p:tag name="TEMPFOLDER" val="/private/var/folders/bl/qr6kzqqj6dq26b3546l3vykm0000gn/T/com.microsoft.Powerpoint/TemporaryItems/"/>
+  <p:tag name="LATEXFORMHEIGHT" val="426,65"/>
+  <p:tag name="LATEXFORMWIDTH" val="513,35"/>
+  <p:tag name="LATEXFORMWRAP" val="True"/>
+  <p:tag name="BITMAPVECTOR" val="0"/>
+</p:tagLst>
+</file>
+
+<file path=ppt/tags/tag7.xml><?xml version="1.0" encoding="utf-8"?>
+<p:tagLst xmlns:a="http://schemas.openxmlformats.org/drawingml/2006/main" xmlns:r="http://schemas.openxmlformats.org/officeDocument/2006/relationships" xmlns:p="http://schemas.openxmlformats.org/presentationml/2006/main">
+  <p:tag name="OUTPUTDPI" val="1200"/>
   <p:tag name="ORIGINALHEIGHT" val="335"/>
   <p:tag name="ORIGINALWIDTH" val="283"/>
   <p:tag name="OUTPUTTYPE" val="PDF"/>
@@ -4786,7 +5087,7 @@
 </p:tagLst>
 </file>
 
-<file path=ppt/tags/tag6.xml><?xml version="1.0" encoding="utf-8"?>
+<file path=ppt/tags/tag8.xml><?xml version="1.0" encoding="utf-8"?>
 <p:tagLst xmlns:a="http://schemas.openxmlformats.org/drawingml/2006/main" xmlns:r="http://schemas.openxmlformats.org/officeDocument/2006/relationships" xmlns:p="http://schemas.openxmlformats.org/presentationml/2006/main">
   <p:tag name="OUTPUTDPI" val="1200"/>
   <p:tag name="ORIGINALHEIGHT" val="78"/>
@@ -4806,7 +5107,7 @@
 </p:tagLst>
 </file>
 
-<file path=ppt/tags/tag7.xml><?xml version="1.0" encoding="utf-8"?>
+<file path=ppt/tags/tag9.xml><?xml version="1.0" encoding="utf-8"?>
 <p:tagLst xmlns:a="http://schemas.openxmlformats.org/drawingml/2006/main" xmlns:r="http://schemas.openxmlformats.org/officeDocument/2006/relationships" xmlns:p="http://schemas.openxmlformats.org/presentationml/2006/main">
   <p:tag name="OUTPUTDPI" val="1200"/>
   <p:tag name="ORIGINALHEIGHT" val="53"/>
@@ -4816,46 +5117,6 @@
   <p:tag name="LATEXADDIN" val="\documentclass{article}&#10;\usepackage{amsmath,bbm,mathrsfs}&#10;\setlength\parindent{0em}&#10;\usepackage{geometry}&#10;\geometry{textwidth=10cm}&#10;\setlength\parskip{1em}&#10;\pagestyle{empty}&#10;\begin{document}&#10;&#10;Parte (a). Proprietà della sezione. Il momento d'inerzia della sezione trasversale valutato rispetto all'asse neutro vale:&#10;$$&#10;I=\frac{1}{12} b h^3=\frac{1}{12}(100 \mathrm{~mm})(125 \mathrm{~mm})^3=16.28 \times 10^6 \mathrm{~mm}^4&#10;$$&#10;&#10;&#10;\end{document}"/>
   <p:tag name="IGUANATEXSIZE" val="20"/>
   <p:tag name="IGUANATEXCURSOR" val="425"/>
-  <p:tag name="TRANSPARENCY" val="True"/>
-  <p:tag name="LATEXENGINEID" val="0"/>
-  <p:tag name="TEMPFOLDER" val="/private/var/folders/bl/qr6kzqqj6dq26b3546l3vykm0000gn/T/com.microsoft.Powerpoint/TemporaryItems/"/>
-  <p:tag name="LATEXFORMHEIGHT" val="426,65"/>
-  <p:tag name="LATEXFORMWIDTH" val="513,35"/>
-  <p:tag name="LATEXFORMWRAP" val="True"/>
-  <p:tag name="BITMAPVECTOR" val="0"/>
-</p:tagLst>
-</file>
-
-<file path=ppt/tags/tag8.xml><?xml version="1.0" encoding="utf-8"?>
-<p:tagLst xmlns:a="http://schemas.openxmlformats.org/drawingml/2006/main" xmlns:r="http://schemas.openxmlformats.org/officeDocument/2006/relationships" xmlns:p="http://schemas.openxmlformats.org/presentationml/2006/main">
-  <p:tag name="OUTPUTDPI" val="1200"/>
-  <p:tag name="ORIGINALHEIGHT" val="89"/>
-  <p:tag name="ORIGINALWIDTH" val="283"/>
-  <p:tag name="OUTPUTTYPE" val="PDF"/>
-  <p:tag name="IGUANATEXVERSION" val="160"/>
-  <p:tag name="LATEXADDIN" val="\documentclass{article}&#10;\usepackage{amsmath,bbm,mathrsfs}&#10;\setlength\parindent{0em}&#10;\usepackage{geometry}&#10;\geometry{textwidth=10cm}&#10;\setlength\parskip{1em}&#10;\pagestyle{empty}&#10;\begin{document}&#10;&#10;Si traccia una corda orizzontale in corrispondenza del punto $P$ e nella Figura (b) viene evidenziata l'area $A^{\prime}$. &#10;&#10;Pertanto:&#10;$$&#10;\begin{aligned}&#10;Q &amp; =\bar{y}^{\prime} A^{\prime}=\left[12.5/2 \mathrm{~mm}-\frac{1}{2}(50 \mathrm{~mm})\right](50 \mathrm{~mm})(100 \mathrm{~mm}) \\&#10;&amp; =18.75 \mathrm{~mm} \times 10^4 \mathrm{~mm}^3&#10;\end{aligned}&#10;$$&#10;&#10;&#10;\end{document}"/>
-  <p:tag name="IGUANATEXSIZE" val="20"/>
-  <p:tag name="IGUANATEXCURSOR" val="405"/>
-  <p:tag name="TRANSPARENCY" val="True"/>
-  <p:tag name="LATEXENGINEID" val="0"/>
-  <p:tag name="TEMPFOLDER" val="/private/var/folders/bl/qr6kzqqj6dq26b3546l3vykm0000gn/T/com.microsoft.Powerpoint/TemporaryItems/"/>
-  <p:tag name="LATEXFORMHEIGHT" val="426,65"/>
-  <p:tag name="LATEXFORMWIDTH" val="513,35"/>
-  <p:tag name="LATEXFORMWRAP" val="True"/>
-  <p:tag name="BITMAPVECTOR" val="0"/>
-</p:tagLst>
-</file>
-
-<file path=ppt/tags/tag9.xml><?xml version="1.0" encoding="utf-8"?>
-<p:tagLst xmlns:a="http://schemas.openxmlformats.org/drawingml/2006/main" xmlns:r="http://schemas.openxmlformats.org/officeDocument/2006/relationships" xmlns:p="http://schemas.openxmlformats.org/presentationml/2006/main">
-  <p:tag name="OUTPUTDPI" val="1200"/>
-  <p:tag name="ORIGINALHEIGHT" val="162"/>
-  <p:tag name="ORIGINALWIDTH" val="283"/>
-  <p:tag name="OUTPUTTYPE" val="PDF"/>
-  <p:tag name="IGUANATEXVERSION" val="160"/>
-  <p:tag name="LATEXADDIN" val="\documentclass{article}&#10;\usepackage{amsmath,bbm,mathrsfs}&#10;\setlength\parindent{0em}&#10;\usepackage{geometry}&#10;\geometry{textwidth=10cm}&#10;\setlength\parskip{1em}&#10;\pagestyle{empty}&#10;\begin{document}&#10;&#10;La forza di taglio nella sezione è pari a $V=3 \mathrm{kN}$. &#10;&#10;Applicando la formula del taglio si ha:&#10;$$&#10;\begin{aligned}&#10;\tau_P &amp; =\frac{V Q}{I t}=\frac{(3 \mathrm{kN})\left(18.75 \times 10^4 \mathrm{~mm}^3\right)}{\left(16.28 \times 10^6 \mathrm{~mm}^4\right)(100 \mathrm{~mm})} \\&#10;&amp; =3.46 \mathrm{~mm} \times 10^{-4} \mathrm{kN} / \mathrm{mm}^2=0.346 \mathrm{MPa}&#10;\end{aligned}&#10;$$&#10;Poiché $\tau_P$ contribuisce a $V$, essa agisce verso il basso in corrispondenza di $P$ sulla sezione trasversale. &#10;&#10;Ne consegue che un elemento infinitesimo di volume in questo punto dovrebbe avere tensioni tangenziali associate agenti come mostrato nella Figura (c)&#10;&#10;&#10;\end{document}"/>
-  <p:tag name="IGUANATEXSIZE" val="20"/>
-  <p:tag name="IGUANATEXCURSOR" val="843"/>
   <p:tag name="TRANSPARENCY" val="True"/>
   <p:tag name="LATEXENGINEID" val="0"/>
   <p:tag name="TEMPFOLDER" val="/private/var/folders/bl/qr6kzqqj6dq26b3546l3vykm0000gn/T/com.microsoft.Powerpoint/TemporaryItems/"/>

--- a/lezioni/H.11.2 La formula del taglio.pptx
+++ b/lezioni/H.11.2 La formula del taglio.pptx
@@ -271,7 +271,7 @@
           <a:p>
             <a:fld id="{C116AED7-994C-AF42-89FF-64B09BCF8C2B}" type="datetimeFigureOut">
               <a:rPr lang="en-IT" smtClean="0"/>
-              <a:t>08/10/23</a:t>
+              <a:t>14/10/23</a:t>
             </a:fld>
             <a:endParaRPr lang="en-IT"/>
           </a:p>
@@ -471,7 +471,7 @@
           <a:p>
             <a:fld id="{C116AED7-994C-AF42-89FF-64B09BCF8C2B}" type="datetimeFigureOut">
               <a:rPr lang="en-IT" smtClean="0"/>
-              <a:t>08/10/23</a:t>
+              <a:t>14/10/23</a:t>
             </a:fld>
             <a:endParaRPr lang="en-IT"/>
           </a:p>
@@ -681,7 +681,7 @@
           <a:p>
             <a:fld id="{C116AED7-994C-AF42-89FF-64B09BCF8C2B}" type="datetimeFigureOut">
               <a:rPr lang="en-IT" smtClean="0"/>
-              <a:t>08/10/23</a:t>
+              <a:t>14/10/23</a:t>
             </a:fld>
             <a:endParaRPr lang="en-IT"/>
           </a:p>
@@ -881,7 +881,7 @@
           <a:p>
             <a:fld id="{C116AED7-994C-AF42-89FF-64B09BCF8C2B}" type="datetimeFigureOut">
               <a:rPr lang="en-IT" smtClean="0"/>
-              <a:t>08/10/23</a:t>
+              <a:t>14/10/23</a:t>
             </a:fld>
             <a:endParaRPr lang="en-IT"/>
           </a:p>
@@ -1157,7 +1157,7 @@
           <a:p>
             <a:fld id="{C116AED7-994C-AF42-89FF-64B09BCF8C2B}" type="datetimeFigureOut">
               <a:rPr lang="en-IT" smtClean="0"/>
-              <a:t>08/10/23</a:t>
+              <a:t>14/10/23</a:t>
             </a:fld>
             <a:endParaRPr lang="en-IT"/>
           </a:p>
@@ -1425,7 +1425,7 @@
           <a:p>
             <a:fld id="{C116AED7-994C-AF42-89FF-64B09BCF8C2B}" type="datetimeFigureOut">
               <a:rPr lang="en-IT" smtClean="0"/>
-              <a:t>08/10/23</a:t>
+              <a:t>14/10/23</a:t>
             </a:fld>
             <a:endParaRPr lang="en-IT"/>
           </a:p>
@@ -1840,7 +1840,7 @@
           <a:p>
             <a:fld id="{C116AED7-994C-AF42-89FF-64B09BCF8C2B}" type="datetimeFigureOut">
               <a:rPr lang="en-IT" smtClean="0"/>
-              <a:t>08/10/23</a:t>
+              <a:t>14/10/23</a:t>
             </a:fld>
             <a:endParaRPr lang="en-IT"/>
           </a:p>
@@ -1982,7 +1982,7 @@
           <a:p>
             <a:fld id="{C116AED7-994C-AF42-89FF-64B09BCF8C2B}" type="datetimeFigureOut">
               <a:rPr lang="en-IT" smtClean="0"/>
-              <a:t>08/10/23</a:t>
+              <a:t>14/10/23</a:t>
             </a:fld>
             <a:endParaRPr lang="en-IT"/>
           </a:p>
@@ -2095,7 +2095,7 @@
           <a:p>
             <a:fld id="{C116AED7-994C-AF42-89FF-64B09BCF8C2B}" type="datetimeFigureOut">
               <a:rPr lang="en-IT" smtClean="0"/>
-              <a:t>08/10/23</a:t>
+              <a:t>14/10/23</a:t>
             </a:fld>
             <a:endParaRPr lang="en-IT"/>
           </a:p>
@@ -2408,7 +2408,7 @@
           <a:p>
             <a:fld id="{C116AED7-994C-AF42-89FF-64B09BCF8C2B}" type="datetimeFigureOut">
               <a:rPr lang="en-IT" smtClean="0"/>
-              <a:t>08/10/23</a:t>
+              <a:t>14/10/23</a:t>
             </a:fld>
             <a:endParaRPr lang="en-IT"/>
           </a:p>
@@ -2697,7 +2697,7 @@
           <a:p>
             <a:fld id="{C116AED7-994C-AF42-89FF-64B09BCF8C2B}" type="datetimeFigureOut">
               <a:rPr lang="en-IT" smtClean="0"/>
-              <a:t>08/10/23</a:t>
+              <a:t>14/10/23</a:t>
             </a:fld>
             <a:endParaRPr lang="en-IT"/>
           </a:p>
@@ -2940,7 +2940,7 @@
           <a:p>
             <a:fld id="{C116AED7-994C-AF42-89FF-64B09BCF8C2B}" type="datetimeFigureOut">
               <a:rPr lang="en-IT" smtClean="0"/>
-              <a:t>08/10/23</a:t>
+              <a:t>14/10/23</a:t>
             </a:fld>
             <a:endParaRPr lang="en-IT"/>
           </a:p>
@@ -4557,10 +4557,10 @@
       </p:pic>
       <p:pic>
         <p:nvPicPr>
-          <p:cNvPr id="13" name="Picture 12" descr="\documentclass{article}&#10;\usepackage{amsmath,bbm,mathrsfs}&#10;\setlength\parindent{0em}&#10;\usepackage{geometry}&#10;\geometry{textwidth=10cm}&#10;\setlength\parskip{1em}&#10;\pagestyle{empty}&#10;\begin{document}&#10;&#10;Valutiamo la tensione tangenziale media in corrispondenza di una corda avente coordinata y, come mostrato in Figura (b).&#10;&#10;Si considera l'area $A^{\prime}$ evidenziata con colore più scuro nella figura. &#10;&#10;Pertanto:&#10;$$&#10;\begin{aligned}&#10;Q &amp; =\bar{y}^{\prime} A^{\prime}=\left[y+\frac{1}{2}\left(\frac{h}{2}-y\right)\right]\left(\frac{h}{2}-y\right) b \\&#10;&amp; =\frac{1}{2}\left(\frac{h^2}{4}-y^2\right) b&#10;\end{aligned}&#10;$$&#10;Applicando la formula del taglio si ottiene&#10;$$&#10;\tau=\frac{V Q}{I t}=\frac{V \frac{1}{2}\left[\left(h^2 / 4\right)-y^2\right] b}{\left(\frac{1}{12} b h^3\right) b}&#10;$$&#10;ovvero&#10;$$&#10;\tau=\frac{6 V}{b h^3}\left(\frac{h^2}{4}-y^2\right)&#10;$$&#10;Esercizio:&#10;&#10;Verificare che il valore massimo della tensione tangenziale \`e&#10;$$&#10;\tau_{\rm max}=1.5 \frac V A&#10;$$&#10;e che&#10;$$&#10;\int_A \tau dA=V&#10;$$&#10;&#10;&#10;\end{document}" title="IguanaTex Bitmap Display">
-            <a:extLst>
-              <a:ext uri="{FF2B5EF4-FFF2-40B4-BE49-F238E27FC236}">
-                <a16:creationId xmlns:a16="http://schemas.microsoft.com/office/drawing/2014/main" id="{0D7C5B11-D2D1-3D17-9B84-1C4178EE8550}"/>
+          <p:cNvPr id="3" name="Picture 2" descr="\documentclass{article}&#10;\usepackage{amsmath,bbm,mathrsfs}&#10;\setlength\parindent{0em}&#10;\usepackage{geometry}&#10;\geometry{textwidth=10cm}&#10;\setlength\parskip{1em}&#10;\pagestyle{empty}&#10;\begin{document}&#10;&#10;Valutiamo la tensione tangenziale media in corrispondenza di una corda avente coordinata y, come mostrato in Figura (b).&#10;&#10;Si considera l'area $A^{\prime}$ evidenziata con colore più scuro nella figura. &#10;&#10;Pertanto:&#10;$$&#10;\begin{aligned}&#10;Q &amp; =\bar{y}^{\prime} A^{\prime}=\frac 1 2\Big(\frac h 2+y\Big)\left(\frac{h}{2}-y\right) b \\&#10;&amp; =\frac{1}{2}\left(\frac{h^2}{4}-y^2\right) b&#10;\end{aligned}&#10;$$&#10;Applicando la formula del taglio si ottiene&#10;$$&#10;\tau=\frac{V Q}{I t}=\frac{V \frac{1}{2}\left[\left(h^2 / 4\right)-y^2\right] b}{\left(\frac{1}{12} b h^3\right) b}&#10;$$&#10;ovvero&#10;$$&#10;\tau=\frac{6 V}{b h^3}\left(\frac{h^2}{4}-y^2\right)&#10;$$&#10;Esercizio:&#10;&#10;Verificare che il valore massimo della tensione tangenziale \`e&#10;$$&#10;\tau_{\rm max}=1.5 \frac V A&#10;$$&#10;e che&#10;$$&#10;\int_A \tau dA=V&#10;$$&#10;&#10;&#10;\end{document}" title="IguanaTex Bitmap Display">
+            <a:extLst>
+              <a:ext uri="{FF2B5EF4-FFF2-40B4-BE49-F238E27FC236}">
+                <a16:creationId xmlns:a16="http://schemas.microsoft.com/office/drawing/2014/main" id="{65A2A1F6-E9C6-EB09-1910-C5AC962D2002}"/>
               </a:ext>
             </a:extLst>
           </p:cNvPr>
@@ -4582,7 +4582,7 @@
         <p:spPr>
           <a:xfrm>
             <a:off x="6411310" y="101974"/>
-            <a:ext cx="5621185" cy="6654052"/>
+            <a:ext cx="5621185" cy="6375972"/>
           </a:xfrm>
           <a:prstGeom prst="rect">
             <a:avLst/>
@@ -5070,13 +5070,13 @@
 <file path=ppt/tags/tag7.xml><?xml version="1.0" encoding="utf-8"?>
 <p:tagLst xmlns:a="http://schemas.openxmlformats.org/drawingml/2006/main" xmlns:r="http://schemas.openxmlformats.org/officeDocument/2006/relationships" xmlns:p="http://schemas.openxmlformats.org/presentationml/2006/main">
   <p:tag name="OUTPUTDPI" val="1200"/>
-  <p:tag name="ORIGINALHEIGHT" val="335"/>
+  <p:tag name="ORIGINALHEIGHT" val="321"/>
   <p:tag name="ORIGINALWIDTH" val="283"/>
   <p:tag name="OUTPUTTYPE" val="PDF"/>
   <p:tag name="IGUANATEXVERSION" val="160"/>
-  <p:tag name="LATEXADDIN" val="\documentclass{article}&#10;\usepackage{amsmath,bbm,mathrsfs}&#10;\setlength\parindent{0em}&#10;\usepackage{geometry}&#10;\geometry{textwidth=10cm}&#10;\setlength\parskip{1em}&#10;\pagestyle{empty}&#10;\begin{document}&#10;&#10;Valutiamo la tensione tangenziale media in corrispondenza di una corda avente coordinata y, come mostrato in Figura (b).&#10;&#10;Si considera l'area $A^{\prime}$ evidenziata con colore più scuro nella figura. &#10;&#10;Pertanto:&#10;$$&#10;\begin{aligned}&#10;Q &amp; =\bar{y}^{\prime} A^{\prime}=\left[y+\frac{1}{2}\left(\frac{h}{2}-y\right)\right]\left(\frac{h}{2}-y\right) b \\&#10;&amp; =\frac{1}{2}\left(\frac{h^2}{4}-y^2\right) b&#10;\end{aligned}&#10;$$&#10;Applicando la formula del taglio si ottiene&#10;$$&#10;\tau=\frac{V Q}{I t}=\frac{V \frac{1}{2}\left[\left(h^2 / 4\right)-y^2\right] b}{\left(\frac{1}{12} b h^3\right) b}&#10;$$&#10;ovvero&#10;$$&#10;\tau=\frac{6 V}{b h^3}\left(\frac{h^2}{4}-y^2\right)&#10;$$&#10;Esercizio:&#10;&#10;Verificare che il valore massimo della tensione tangenziale \`e&#10;$$&#10;\tau_{\rm max}=1.5 \frac V A&#10;$$&#10;e che&#10;$$&#10;\int_A \tau dA=V&#10;$$&#10;&#10;&#10;\end{document}"/>
+  <p:tag name="LATEXADDIN" val="\documentclass{article}&#10;\usepackage{amsmath,bbm,mathrsfs}&#10;\setlength\parindent{0em}&#10;\usepackage{geometry}&#10;\geometry{textwidth=10cm}&#10;\setlength\parskip{1em}&#10;\pagestyle{empty}&#10;\begin{document}&#10;&#10;Valutiamo la tensione tangenziale media in corrispondenza di una corda avente coordinata y, come mostrato in Figura (b).&#10;&#10;Si considera l'area $A^{\prime}$ evidenziata con colore più scuro nella figura. &#10;&#10;Pertanto:&#10;$$&#10;\begin{aligned}&#10;Q &amp; =\bar{y}^{\prime} A^{\prime}=\frac 1 2\Big(\frac h 2+y\Big)\left(\frac{h}{2}-y\right) b \\&#10;&amp; =\frac{1}{2}\left(\frac{h^2}{4}-y^2\right) b&#10;\end{aligned}&#10;$$&#10;Applicando la formula del taglio si ottiene&#10;$$&#10;\tau=\frac{V Q}{I t}=\frac{V \frac{1}{2}\left[\left(h^2 / 4\right)-y^2\right] b}{\left(\frac{1}{12} b h^3\right) b}&#10;$$&#10;ovvero&#10;$$&#10;\tau=\frac{6 V}{b h^3}\left(\frac{h^2}{4}-y^2\right)&#10;$$&#10;Esercizio:&#10;&#10;Verificare che il valore massimo della tensione tangenziale \`e&#10;$$&#10;\tau_{\rm max}=1.5 \frac V A&#10;$$&#10;e che&#10;$$&#10;\int_A \tau dA=V&#10;$$&#10;&#10;&#10;\end{document}"/>
   <p:tag name="IGUANATEXSIZE" val="20"/>
-  <p:tag name="IGUANATEXCURSOR" val="954"/>
+  <p:tag name="IGUANATEXCURSOR" val="488"/>
   <p:tag name="TRANSPARENCY" val="True"/>
   <p:tag name="LATEXENGINEID" val="0"/>
   <p:tag name="TEMPFOLDER" val="/private/var/folders/bl/qr6kzqqj6dq26b3546l3vykm0000gn/T/com.microsoft.Powerpoint/TemporaryItems/"/>
